--- a/clase_8/teoria/clase_8.pptx
+++ b/clase_8/teoria/clase_8.pptx
@@ -19,11 +19,11 @@
     <p:sldId id="264" r:id="rId10"/>
     <p:sldId id="265" r:id="rId11"/>
     <p:sldId id="266" r:id="rId12"/>
-    <p:sldId id="267" r:id="rId13"/>
-    <p:sldId id="268" r:id="rId14"/>
-    <p:sldId id="269" r:id="rId15"/>
+    <p:sldId id="276" r:id="rId13"/>
+    <p:sldId id="267" r:id="rId14"/>
+    <p:sldId id="268" r:id="rId15"/>
     <p:sldId id="270" r:id="rId16"/>
-    <p:sldId id="271" r:id="rId17"/>
+    <p:sldId id="277" r:id="rId17"/>
     <p:sldId id="272" r:id="rId18"/>
     <p:sldId id="273" r:id="rId19"/>
     <p:sldId id="274" r:id="rId20"/>
@@ -285,7 +285,7 @@
       </p15:sldGuideLst>
     </p:ext>
     <p:ext uri="GoogleSlidesCustomDataVersion2">
-      <go:slidesCustomData xmlns="" xmlns:mc="http://schemas.openxmlformats.org/markup-compatibility/2006" xmlns:mv="urn:schemas-microsoft-com:mac:vml" xmlns:c="http://schemas.openxmlformats.org/drawingml/2006/chart" xmlns:dgm="http://schemas.openxmlformats.org/drawingml/2006/diagram" xmlns:o="urn:schemas-microsoft-com:office:office" xmlns:v="urn:schemas-microsoft-com:vml" xmlns:pvml="urn:schemas-microsoft-com:office:powerpoint" xmlns:com="http://schemas.openxmlformats.org/drawingml/2006/compatibility" xmlns:p14="http://schemas.microsoft.com/office/powerpoint/2010/main" xmlns:p15="http://schemas.microsoft.com/office/powerpoint/2012/main" xmlns:ahyp="http://schemas.microsoft.com/office/drawing/2018/hyperlinkcolor" xmlns:go="http://customooxmlschemas.google.com/" r:id="rId30" roundtripDataSignature="AMtx7miTlHx5yX8y6UIlPPbgbTlcU6qf9g=="/>
+      <go:slidesCustomData xmlns:go="http://customooxmlschemas.google.com/" xmlns:ahyp="http://schemas.microsoft.com/office/drawing/2018/hyperlinkcolor" xmlns:p15="http://schemas.microsoft.com/office/powerpoint/2012/main" xmlns:p14="http://schemas.microsoft.com/office/powerpoint/2010/main" xmlns:com="http://schemas.openxmlformats.org/drawingml/2006/compatibility" xmlns:pvml="urn:schemas-microsoft-com:office:powerpoint" xmlns:v="urn:schemas-microsoft-com:vml" xmlns:o="urn:schemas-microsoft-com:office:office" xmlns:dgm="http://schemas.openxmlformats.org/drawingml/2006/diagram" xmlns:c="http://schemas.openxmlformats.org/drawingml/2006/chart" xmlns:mv="urn:schemas-microsoft-com:mac:vml" xmlns:mc="http://schemas.openxmlformats.org/markup-compatibility/2006" xmlns="" r:id="rId30" roundtripDataSignature="AMtx7miTlHx5yX8y6UIlPPbgbTlcU6qf9g=="/>
     </p:ext>
   </p:extLst>
 </p:presentation>
@@ -1431,6 +1431,133 @@
   <p:cSld>
     <p:spTree>
       <p:nvGrpSpPr>
+        <p:cNvPr id="1" name="Shape 215">
+          <a:extLst>
+            <a:ext uri="{FF2B5EF4-FFF2-40B4-BE49-F238E27FC236}">
+              <a16:creationId xmlns:a16="http://schemas.microsoft.com/office/drawing/2014/main" id="{221A1879-2E44-5792-0D93-E96EE640DD2E}"/>
+            </a:ext>
+          </a:extLst>
+        </p:cNvPr>
+        <p:cNvGrpSpPr/>
+        <p:nvPr/>
+      </p:nvGrpSpPr>
+      <p:grpSpPr>
+        <a:xfrm>
+          <a:off x="0" y="0"/>
+          <a:ext cx="0" cy="0"/>
+          <a:chOff x="0" y="0"/>
+          <a:chExt cx="0" cy="0"/>
+        </a:xfrm>
+      </p:grpSpPr>
+      <p:sp>
+        <p:nvSpPr>
+          <p:cNvPr id="216" name="Google Shape;216;g220569f7507_1_129:notes">
+            <a:extLst>
+              <a:ext uri="{FF2B5EF4-FFF2-40B4-BE49-F238E27FC236}">
+                <a16:creationId xmlns:a16="http://schemas.microsoft.com/office/drawing/2014/main" id="{F2A404AD-DD5B-70E3-471D-A5DBA47F2278}"/>
+              </a:ext>
+            </a:extLst>
+          </p:cNvPr>
+          <p:cNvSpPr txBox="1">
+            <a:spLocks noGrp="1"/>
+          </p:cNvSpPr>
+          <p:nvPr>
+            <p:ph type="body" idx="1"/>
+          </p:nvPr>
+        </p:nvSpPr>
+        <p:spPr>
+          <a:xfrm>
+            <a:off x="685800" y="4343400"/>
+            <a:ext cx="5486400" cy="4114800"/>
+          </a:xfrm>
+          <a:prstGeom prst="rect">
+            <a:avLst/>
+          </a:prstGeom>
+        </p:spPr>
+        <p:txBody>
+          <a:bodyPr spcFirstLastPara="1" wrap="square" lIns="91425" tIns="91425" rIns="91425" bIns="91425" anchor="t" anchorCtr="0">
+            <a:noAutofit/>
+          </a:bodyPr>
+          <a:lstStyle/>
+          <a:p>
+            <a:pPr marL="0" lvl="0" indent="0" algn="l" rtl="0">
+              <a:spcBef>
+                <a:spcPts val="0"/>
+              </a:spcBef>
+              <a:spcAft>
+                <a:spcPts val="0"/>
+              </a:spcAft>
+              <a:buNone/>
+            </a:pPr>
+            <a:endParaRPr/>
+          </a:p>
+        </p:txBody>
+      </p:sp>
+      <p:sp>
+        <p:nvSpPr>
+          <p:cNvPr id="217" name="Google Shape;217;g220569f7507_1_129:notes">
+            <a:extLst>
+              <a:ext uri="{FF2B5EF4-FFF2-40B4-BE49-F238E27FC236}">
+                <a16:creationId xmlns:a16="http://schemas.microsoft.com/office/drawing/2014/main" id="{676E64D4-E608-D8C8-0805-4CD7A6B219B0}"/>
+              </a:ext>
+            </a:extLst>
+          </p:cNvPr>
+          <p:cNvSpPr>
+            <a:spLocks noGrp="1" noRot="1" noChangeAspect="1"/>
+          </p:cNvSpPr>
+          <p:nvPr>
+            <p:ph type="sldImg" idx="2"/>
+          </p:nvPr>
+        </p:nvSpPr>
+        <p:spPr>
+          <a:xfrm>
+            <a:off x="381000" y="685800"/>
+            <a:ext cx="6096000" cy="3429000"/>
+          </a:xfrm>
+          <a:custGeom>
+            <a:avLst/>
+            <a:gdLst/>
+            <a:ahLst/>
+            <a:cxnLst/>
+            <a:rect l="l" t="t" r="r" b="b"/>
+            <a:pathLst>
+              <a:path w="120000" h="120000" extrusionOk="0">
+                <a:moveTo>
+                  <a:pt x="0" y="0"/>
+                </a:moveTo>
+                <a:lnTo>
+                  <a:pt x="120000" y="0"/>
+                </a:lnTo>
+                <a:lnTo>
+                  <a:pt x="120000" y="120000"/>
+                </a:lnTo>
+                <a:lnTo>
+                  <a:pt x="0" y="120000"/>
+                </a:lnTo>
+                <a:close/>
+              </a:path>
+            </a:pathLst>
+          </a:custGeom>
+        </p:spPr>
+      </p:sp>
+    </p:spTree>
+    <p:extLst>
+      <p:ext uri="{BB962C8B-B14F-4D97-AF65-F5344CB8AC3E}">
+        <p14:creationId xmlns:p14="http://schemas.microsoft.com/office/powerpoint/2010/main" val="4045053403"/>
+      </p:ext>
+    </p:extLst>
+  </p:cSld>
+  <p:clrMapOvr>
+    <a:masterClrMapping/>
+  </p:clrMapOvr>
+</p:notes>
+</file>
+
+<file path=ppt/notesSlides/notesSlide13.xml><?xml version="1.0" encoding="utf-8"?>
+<p:notes xmlns:a="http://schemas.openxmlformats.org/drawingml/2006/main" xmlns:r="http://schemas.openxmlformats.org/officeDocument/2006/relationships" xmlns:p="http://schemas.openxmlformats.org/presentationml/2006/main" showMasterSp="0" showMasterPhAnim="0">
+  <p:cSld>
+    <p:spTree>
+      <p:nvGrpSpPr>
         <p:cNvPr id="1" name="Shape 215"/>
         <p:cNvGrpSpPr/>
         <p:nvPr/>
@@ -1530,7 +1657,7 @@
 </p:notes>
 </file>
 
-<file path=ppt/notesSlides/notesSlide13.xml><?xml version="1.0" encoding="utf-8"?>
+<file path=ppt/notesSlides/notesSlide14.xml><?xml version="1.0" encoding="utf-8"?>
 <p:notes xmlns:a="http://schemas.openxmlformats.org/drawingml/2006/main" xmlns:r="http://schemas.openxmlformats.org/officeDocument/2006/relationships" xmlns:p="http://schemas.openxmlformats.org/presentationml/2006/main" showMasterSp="0" showMasterPhAnim="0">
   <p:cSld>
     <p:spTree>
@@ -1588,110 +1715,6 @@
       <p:sp>
         <p:nvSpPr>
           <p:cNvPr id="224" name="Google Shape;224;g220569f7507_1_135:notes"/>
-          <p:cNvSpPr>
-            <a:spLocks noGrp="1" noRot="1" noChangeAspect="1"/>
-          </p:cNvSpPr>
-          <p:nvPr>
-            <p:ph type="sldImg" idx="2"/>
-          </p:nvPr>
-        </p:nvSpPr>
-        <p:spPr>
-          <a:xfrm>
-            <a:off x="381000" y="685800"/>
-            <a:ext cx="6096000" cy="3429000"/>
-          </a:xfrm>
-          <a:custGeom>
-            <a:avLst/>
-            <a:gdLst/>
-            <a:ahLst/>
-            <a:cxnLst/>
-            <a:rect l="l" t="t" r="r" b="b"/>
-            <a:pathLst>
-              <a:path w="120000" h="120000" extrusionOk="0">
-                <a:moveTo>
-                  <a:pt x="0" y="0"/>
-                </a:moveTo>
-                <a:lnTo>
-                  <a:pt x="120000" y="0"/>
-                </a:lnTo>
-                <a:lnTo>
-                  <a:pt x="120000" y="120000"/>
-                </a:lnTo>
-                <a:lnTo>
-                  <a:pt x="0" y="120000"/>
-                </a:lnTo>
-                <a:close/>
-              </a:path>
-            </a:pathLst>
-          </a:custGeom>
-        </p:spPr>
-      </p:sp>
-    </p:spTree>
-  </p:cSld>
-  <p:clrMapOvr>
-    <a:masterClrMapping/>
-  </p:clrMapOvr>
-</p:notes>
-</file>
-
-<file path=ppt/notesSlides/notesSlide14.xml><?xml version="1.0" encoding="utf-8"?>
-<p:notes xmlns:a="http://schemas.openxmlformats.org/drawingml/2006/main" xmlns:r="http://schemas.openxmlformats.org/officeDocument/2006/relationships" xmlns:p="http://schemas.openxmlformats.org/presentationml/2006/main" showMasterSp="0" showMasterPhAnim="0">
-  <p:cSld>
-    <p:spTree>
-      <p:nvGrpSpPr>
-        <p:cNvPr id="1" name="Shape 232"/>
-        <p:cNvGrpSpPr/>
-        <p:nvPr/>
-      </p:nvGrpSpPr>
-      <p:grpSpPr>
-        <a:xfrm>
-          <a:off x="0" y="0"/>
-          <a:ext cx="0" cy="0"/>
-          <a:chOff x="0" y="0"/>
-          <a:chExt cx="0" cy="0"/>
-        </a:xfrm>
-      </p:grpSpPr>
-      <p:sp>
-        <p:nvSpPr>
-          <p:cNvPr id="233" name="Google Shape;233;g220569f7507_1_144:notes"/>
-          <p:cNvSpPr txBox="1">
-            <a:spLocks noGrp="1"/>
-          </p:cNvSpPr>
-          <p:nvPr>
-            <p:ph type="body" idx="1"/>
-          </p:nvPr>
-        </p:nvSpPr>
-        <p:spPr>
-          <a:xfrm>
-            <a:off x="685800" y="4343400"/>
-            <a:ext cx="5486400" cy="4114800"/>
-          </a:xfrm>
-          <a:prstGeom prst="rect">
-            <a:avLst/>
-          </a:prstGeom>
-        </p:spPr>
-        <p:txBody>
-          <a:bodyPr spcFirstLastPara="1" wrap="square" lIns="91425" tIns="91425" rIns="91425" bIns="91425" anchor="t" anchorCtr="0">
-            <a:noAutofit/>
-          </a:bodyPr>
-          <a:lstStyle/>
-          <a:p>
-            <a:pPr marL="0" lvl="0" indent="0" algn="l" rtl="0">
-              <a:spcBef>
-                <a:spcPts val="0"/>
-              </a:spcBef>
-              <a:spcAft>
-                <a:spcPts val="0"/>
-              </a:spcAft>
-              <a:buNone/>
-            </a:pPr>
-            <a:endParaRPr/>
-          </a:p>
-        </p:txBody>
-      </p:sp>
-      <p:sp>
-        <p:nvSpPr>
-          <p:cNvPr id="234" name="Google Shape;234;g220569f7507_1_144:notes"/>
           <p:cNvSpPr>
             <a:spLocks noGrp="1" noRot="1" noChangeAspect="1"/>
           </p:cNvSpPr>
@@ -1847,7 +1870,13 @@
   <p:cSld>
     <p:spTree>
       <p:nvGrpSpPr>
-        <p:cNvPr id="1" name="Shape 253"/>
+        <p:cNvPr id="1" name="Shape 264">
+          <a:extLst>
+            <a:ext uri="{FF2B5EF4-FFF2-40B4-BE49-F238E27FC236}">
+              <a16:creationId xmlns:a16="http://schemas.microsoft.com/office/drawing/2014/main" id="{22D88B79-09AE-7890-1DEE-519042BD55CF}"/>
+            </a:ext>
+          </a:extLst>
+        </p:cNvPr>
         <p:cNvGrpSpPr/>
         <p:nvPr/>
       </p:nvGrpSpPr>
@@ -1861,7 +1890,13 @@
       </p:grpSpPr>
       <p:sp>
         <p:nvSpPr>
-          <p:cNvPr id="254" name="Google Shape;254;g220569f7507_1_163:notes"/>
+          <p:cNvPr id="265" name="Google Shape;265;g220569f7507_1_172:notes">
+            <a:extLst>
+              <a:ext uri="{FF2B5EF4-FFF2-40B4-BE49-F238E27FC236}">
+                <a16:creationId xmlns:a16="http://schemas.microsoft.com/office/drawing/2014/main" id="{E1F92B08-F286-0DC9-0C1F-CD6EBD044D45}"/>
+              </a:ext>
+            </a:extLst>
+          </p:cNvPr>
           <p:cNvSpPr txBox="1">
             <a:spLocks noGrp="1"/>
           </p:cNvSpPr>
@@ -1899,7 +1934,13 @@
       </p:sp>
       <p:sp>
         <p:nvSpPr>
-          <p:cNvPr id="255" name="Google Shape;255;g220569f7507_1_163:notes"/>
+          <p:cNvPr id="266" name="Google Shape;266;g220569f7507_1_172:notes">
+            <a:extLst>
+              <a:ext uri="{FF2B5EF4-FFF2-40B4-BE49-F238E27FC236}">
+                <a16:creationId xmlns:a16="http://schemas.microsoft.com/office/drawing/2014/main" id="{09051D2C-EB3A-4F4A-2199-DABA9E007A89}"/>
+              </a:ext>
+            </a:extLst>
+          </p:cNvPr>
           <p:cNvSpPr>
             <a:spLocks noGrp="1" noRot="1" noChangeAspect="1"/>
           </p:cNvSpPr>
@@ -1909,8 +1950,8 @@
         </p:nvSpPr>
         <p:spPr>
           <a:xfrm>
-            <a:off x="1143225" y="685800"/>
-            <a:ext cx="4572225" cy="3429000"/>
+            <a:off x="381000" y="685800"/>
+            <a:ext cx="6096000" cy="3429000"/>
           </a:xfrm>
           <a:custGeom>
             <a:avLst/>
@@ -1939,6 +1980,11 @@
         </p:spPr>
       </p:sp>
     </p:spTree>
+    <p:extLst>
+      <p:ext uri="{BB962C8B-B14F-4D97-AF65-F5344CB8AC3E}">
+        <p14:creationId xmlns:p14="http://schemas.microsoft.com/office/powerpoint/2010/main" val="1388915699"/>
+      </p:ext>
+    </p:extLst>
   </p:cSld>
   <p:clrMapOvr>
     <a:masterClrMapping/>
@@ -2287,7 +2333,7 @@
         </p:nvSpPr>
         <p:spPr>
           <a:xfrm>
-            <a:off x="381300" y="685800"/>
+            <a:off x="381000" y="685800"/>
             <a:ext cx="6096000" cy="3429000"/>
           </a:xfrm>
           <a:custGeom>
@@ -14268,6 +14314,660 @@
   <p:cSld>
     <p:spTree>
       <p:nvGrpSpPr>
+        <p:cNvPr id="1" name="Shape 218">
+          <a:extLst>
+            <a:ext uri="{FF2B5EF4-FFF2-40B4-BE49-F238E27FC236}">
+              <a16:creationId xmlns:a16="http://schemas.microsoft.com/office/drawing/2014/main" id="{1AC41B8B-5F84-85B3-13FC-D9FF58660D8D}"/>
+            </a:ext>
+          </a:extLst>
+        </p:cNvPr>
+        <p:cNvGrpSpPr/>
+        <p:nvPr/>
+      </p:nvGrpSpPr>
+      <p:grpSpPr>
+        <a:xfrm>
+          <a:off x="0" y="0"/>
+          <a:ext cx="0" cy="0"/>
+          <a:chOff x="0" y="0"/>
+          <a:chExt cx="0" cy="0"/>
+        </a:xfrm>
+      </p:grpSpPr>
+      <p:sp>
+        <p:nvSpPr>
+          <p:cNvPr id="219" name="Google Shape;219;g220569f7507_1_129">
+            <a:extLst>
+              <a:ext uri="{FF2B5EF4-FFF2-40B4-BE49-F238E27FC236}">
+                <a16:creationId xmlns:a16="http://schemas.microsoft.com/office/drawing/2014/main" id="{F7E019D6-E64C-AD0E-6A04-3FDF00378CC7}"/>
+              </a:ext>
+            </a:extLst>
+          </p:cNvPr>
+          <p:cNvSpPr txBox="1"/>
+          <p:nvPr/>
+        </p:nvSpPr>
+        <p:spPr>
+          <a:xfrm>
+            <a:off x="0" y="0"/>
+            <a:ext cx="9383486" cy="814403"/>
+          </a:xfrm>
+          <a:prstGeom prst="rect">
+            <a:avLst/>
+          </a:prstGeom>
+          <a:noFill/>
+          <a:ln>
+            <a:noFill/>
+          </a:ln>
+        </p:spPr>
+        <p:txBody>
+          <a:bodyPr spcFirstLastPara="1" wrap="square" lIns="68575" tIns="34275" rIns="68575" bIns="34275" anchor="t" anchorCtr="0">
+            <a:noAutofit/>
+          </a:bodyPr>
+          <a:lstStyle/>
+          <a:p>
+            <a:pPr marL="0" marR="0" lvl="0" indent="0" algn="ctr" rtl="0">
+              <a:lnSpc>
+                <a:spcPct val="120000"/>
+              </a:lnSpc>
+              <a:spcBef>
+                <a:spcPts val="0"/>
+              </a:spcBef>
+              <a:spcAft>
+                <a:spcPts val="0"/>
+              </a:spcAft>
+              <a:buClr>
+                <a:schemeClr val="dk1"/>
+              </a:buClr>
+              <a:buSzPts val="3000"/>
+              <a:buFont typeface="Arial"/>
+              <a:buNone/>
+            </a:pPr>
+            <a:r>
+              <a:rPr lang="en" sz="2400">
+                <a:solidFill>
+                  <a:schemeClr val="dk2"/>
+                </a:solidFill>
+                <a:latin typeface="Twentieth Century"/>
+                <a:ea typeface="Twentieth Century"/>
+                <a:cs typeface="Twentieth Century"/>
+                <a:sym typeface="Twentieth Century"/>
+              </a:rPr>
+              <a:t>Generative Adversarial Network (GAN)</a:t>
+            </a:r>
+            <a:endParaRPr sz="1100">
+              <a:solidFill>
+                <a:schemeClr val="dk2"/>
+              </a:solidFill>
+            </a:endParaRPr>
+          </a:p>
+        </p:txBody>
+      </p:sp>
+      <p:sp>
+        <p:nvSpPr>
+          <p:cNvPr id="220" name="Google Shape;220;g220569f7507_1_129">
+            <a:extLst>
+              <a:ext uri="{FF2B5EF4-FFF2-40B4-BE49-F238E27FC236}">
+                <a16:creationId xmlns:a16="http://schemas.microsoft.com/office/drawing/2014/main" id="{1CA0C463-F9CE-9BBE-AC24-5DE104D50DFA}"/>
+              </a:ext>
+            </a:extLst>
+          </p:cNvPr>
+          <p:cNvSpPr txBox="1"/>
+          <p:nvPr/>
+        </p:nvSpPr>
+        <p:spPr>
+          <a:xfrm>
+            <a:off x="614362" y="1077430"/>
+            <a:ext cx="7915275" cy="3727304"/>
+          </a:xfrm>
+          <a:prstGeom prst="rect">
+            <a:avLst/>
+          </a:prstGeom>
+          <a:noFill/>
+          <a:ln>
+            <a:noFill/>
+          </a:ln>
+        </p:spPr>
+        <p:txBody>
+          <a:bodyPr spcFirstLastPara="1" wrap="square" lIns="68575" tIns="34275" rIns="68575" bIns="34275" anchor="t" anchorCtr="0">
+            <a:noAutofit/>
+          </a:bodyPr>
+          <a:lstStyle/>
+          <a:p>
+            <a:pPr marL="0" marR="0" lvl="0" indent="0" algn="l" rtl="0">
+              <a:lnSpc>
+                <a:spcPct val="90000"/>
+              </a:lnSpc>
+              <a:spcBef>
+                <a:spcPts val="0"/>
+              </a:spcBef>
+              <a:spcAft>
+                <a:spcPts val="0"/>
+              </a:spcAft>
+              <a:buClr>
+                <a:schemeClr val="dk1"/>
+              </a:buClr>
+              <a:buSzPts val="2100"/>
+              <a:buFont typeface="Arial"/>
+              <a:buNone/>
+            </a:pPr>
+            <a:r>
+              <a:rPr lang="es-ES" sz="2100" dirty="0">
+                <a:solidFill>
+                  <a:schemeClr val="dk2"/>
+                </a:solidFill>
+                <a:latin typeface="Twentieth Century"/>
+                <a:sym typeface="Twentieth Century"/>
+              </a:rPr>
+              <a:t>Configuración de DL que busca </a:t>
+            </a:r>
+            <a:r>
+              <a:rPr lang="es-ES" sz="2100" b="1" dirty="0">
+                <a:solidFill>
+                  <a:schemeClr val="dk2"/>
+                </a:solidFill>
+                <a:latin typeface="Twentieth Century"/>
+                <a:sym typeface="Twentieth Century"/>
+              </a:rPr>
+              <a:t>aprender la distribución de </a:t>
+            </a:r>
+            <a:r>
+              <a:rPr lang="es-ES" sz="2100" b="1" dirty="0" err="1">
+                <a:solidFill>
+                  <a:schemeClr val="dk2"/>
+                </a:solidFill>
+                <a:latin typeface="Twentieth Century"/>
+                <a:sym typeface="Twentieth Century"/>
+              </a:rPr>
+              <a:t>prob</a:t>
+            </a:r>
+            <a:r>
+              <a:rPr lang="es-ES" sz="2100" b="1" dirty="0">
+                <a:solidFill>
+                  <a:schemeClr val="dk2"/>
+                </a:solidFill>
+                <a:latin typeface="Twentieth Century"/>
+                <a:sym typeface="Twentieth Century"/>
+              </a:rPr>
+              <a:t> de los datos de entrenamiento</a:t>
+            </a:r>
+            <a:r>
+              <a:rPr lang="es-ES" sz="2100" dirty="0">
+                <a:solidFill>
+                  <a:schemeClr val="dk2"/>
+                </a:solidFill>
+                <a:latin typeface="Twentieth Century"/>
+                <a:sym typeface="Twentieth Century"/>
+              </a:rPr>
+              <a:t> para poder </a:t>
+            </a:r>
+            <a:r>
+              <a:rPr lang="es-ES" sz="2100" b="1" dirty="0">
+                <a:solidFill>
+                  <a:schemeClr val="dk2"/>
+                </a:solidFill>
+                <a:latin typeface="Twentieth Century"/>
+                <a:sym typeface="Twentieth Century"/>
+              </a:rPr>
+              <a:t>generar nuevos datos a partir de esa distribución.</a:t>
+            </a:r>
+          </a:p>
+          <a:p>
+            <a:pPr marL="0" marR="0" lvl="0" indent="0" algn="l" rtl="0">
+              <a:lnSpc>
+                <a:spcPct val="90000"/>
+              </a:lnSpc>
+              <a:spcBef>
+                <a:spcPts val="0"/>
+              </a:spcBef>
+              <a:spcAft>
+                <a:spcPts val="0"/>
+              </a:spcAft>
+              <a:buClr>
+                <a:schemeClr val="dk1"/>
+              </a:buClr>
+              <a:buSzPts val="2100"/>
+              <a:buFont typeface="Arial"/>
+              <a:buNone/>
+            </a:pPr>
+            <a:endParaRPr lang="es-ES" sz="2100" b="1" dirty="0">
+              <a:solidFill>
+                <a:schemeClr val="dk2"/>
+              </a:solidFill>
+              <a:latin typeface="Twentieth Century"/>
+              <a:sym typeface="Twentieth Century"/>
+            </a:endParaRPr>
+          </a:p>
+          <a:p>
+            <a:pPr marL="0" marR="0" lvl="0" indent="0" algn="l" rtl="0">
+              <a:lnSpc>
+                <a:spcPct val="90000"/>
+              </a:lnSpc>
+              <a:spcBef>
+                <a:spcPts val="0"/>
+              </a:spcBef>
+              <a:spcAft>
+                <a:spcPts val="0"/>
+              </a:spcAft>
+              <a:buClr>
+                <a:schemeClr val="dk1"/>
+              </a:buClr>
+              <a:buSzPts val="2100"/>
+              <a:buFont typeface="Arial"/>
+              <a:buNone/>
+            </a:pPr>
+            <a:r>
+              <a:rPr lang="es-ES" sz="2100" dirty="0">
+                <a:solidFill>
+                  <a:schemeClr val="dk2"/>
+                </a:solidFill>
+                <a:latin typeface="Twentieth Century"/>
+                <a:sym typeface="Twentieth Century"/>
+              </a:rPr>
+              <a:t>Se logra entrenando 2 modelos compitiendo:</a:t>
+            </a:r>
+          </a:p>
+          <a:p>
+            <a:pPr marL="0" marR="0" lvl="0" indent="0" algn="l" rtl="0">
+              <a:lnSpc>
+                <a:spcPct val="90000"/>
+              </a:lnSpc>
+              <a:spcBef>
+                <a:spcPts val="0"/>
+              </a:spcBef>
+              <a:spcAft>
+                <a:spcPts val="0"/>
+              </a:spcAft>
+              <a:buClr>
+                <a:schemeClr val="dk1"/>
+              </a:buClr>
+              <a:buSzPts val="2100"/>
+              <a:buFont typeface="Arial"/>
+              <a:buNone/>
+            </a:pPr>
+            <a:r>
+              <a:rPr lang="es-ES" sz="2100" b="1" dirty="0">
+                <a:solidFill>
+                  <a:schemeClr val="dk2"/>
+                </a:solidFill>
+                <a:latin typeface="Twentieth Century"/>
+                <a:sym typeface="Twentieth Century"/>
+              </a:rPr>
+              <a:t>G</a:t>
+            </a:r>
+            <a:r>
+              <a:rPr lang="es-ES" sz="2100" dirty="0">
+                <a:solidFill>
+                  <a:schemeClr val="dk2"/>
+                </a:solidFill>
+                <a:latin typeface="Twentieth Century"/>
+                <a:sym typeface="Wingdings" panose="05000000000000000000" pitchFamily="2" charset="2"/>
+              </a:rPr>
+              <a:t></a:t>
+            </a:r>
+            <a:r>
+              <a:rPr lang="es-ES" sz="2100" dirty="0">
+                <a:solidFill>
+                  <a:schemeClr val="dk2"/>
+                </a:solidFill>
+                <a:latin typeface="Twentieth Century"/>
+                <a:sym typeface="Twentieth Century"/>
+              </a:rPr>
+              <a:t> generador que busca generar  datos “falsos”</a:t>
+            </a:r>
+          </a:p>
+          <a:p>
+            <a:pPr marL="0" marR="0" lvl="0" indent="0" algn="l" rtl="0">
+              <a:lnSpc>
+                <a:spcPct val="90000"/>
+              </a:lnSpc>
+              <a:spcBef>
+                <a:spcPts val="0"/>
+              </a:spcBef>
+              <a:spcAft>
+                <a:spcPts val="0"/>
+              </a:spcAft>
+              <a:buClr>
+                <a:schemeClr val="dk1"/>
+              </a:buClr>
+              <a:buSzPts val="2100"/>
+              <a:buFont typeface="Arial"/>
+              <a:buNone/>
+            </a:pPr>
+            <a:r>
+              <a:rPr lang="es-ES" sz="2100" b="1" dirty="0">
+                <a:solidFill>
+                  <a:schemeClr val="dk2"/>
+                </a:solidFill>
+                <a:latin typeface="Twentieth Century"/>
+                <a:sym typeface="Twentieth Century"/>
+              </a:rPr>
+              <a:t>D</a:t>
+            </a:r>
+            <a:r>
+              <a:rPr lang="es-ES" sz="2100" dirty="0">
+                <a:solidFill>
+                  <a:schemeClr val="dk2"/>
+                </a:solidFill>
+                <a:latin typeface="Twentieth Century"/>
+                <a:sym typeface="Wingdings" panose="05000000000000000000" pitchFamily="2" charset="2"/>
+              </a:rPr>
+              <a:t></a:t>
+            </a:r>
+            <a:r>
+              <a:rPr lang="es-ES" sz="2100" dirty="0">
+                <a:solidFill>
+                  <a:schemeClr val="dk2"/>
+                </a:solidFill>
+                <a:latin typeface="Twentieth Century"/>
+                <a:sym typeface="Twentieth Century"/>
+              </a:rPr>
+              <a:t> discriminador que busca identificar datos “verdaderos” o “falsos”</a:t>
+            </a:r>
+          </a:p>
+          <a:p>
+            <a:pPr marL="0" marR="0" lvl="0" indent="0" algn="l" rtl="0">
+              <a:lnSpc>
+                <a:spcPct val="90000"/>
+              </a:lnSpc>
+              <a:spcBef>
+                <a:spcPts val="0"/>
+              </a:spcBef>
+              <a:spcAft>
+                <a:spcPts val="0"/>
+              </a:spcAft>
+              <a:buClr>
+                <a:schemeClr val="dk1"/>
+              </a:buClr>
+              <a:buSzPts val="2100"/>
+              <a:buFont typeface="Arial"/>
+              <a:buNone/>
+            </a:pPr>
+            <a:endParaRPr lang="es-ES" sz="2100" dirty="0">
+              <a:solidFill>
+                <a:schemeClr val="dk2"/>
+              </a:solidFill>
+              <a:latin typeface="Twentieth Century"/>
+              <a:sym typeface="Twentieth Century"/>
+            </a:endParaRPr>
+          </a:p>
+          <a:p>
+            <a:pPr marL="0" marR="0" lvl="0" indent="0" algn="l" rtl="0">
+              <a:lnSpc>
+                <a:spcPct val="90000"/>
+              </a:lnSpc>
+              <a:spcBef>
+                <a:spcPts val="0"/>
+              </a:spcBef>
+              <a:spcAft>
+                <a:spcPts val="0"/>
+              </a:spcAft>
+              <a:buClr>
+                <a:schemeClr val="dk1"/>
+              </a:buClr>
+              <a:buSzPts val="2100"/>
+              <a:buFont typeface="Arial"/>
+              <a:buNone/>
+            </a:pPr>
+            <a:endParaRPr lang="es-ES" sz="2100" dirty="0">
+              <a:solidFill>
+                <a:schemeClr val="dk2"/>
+              </a:solidFill>
+              <a:latin typeface="Twentieth Century"/>
+              <a:sym typeface="Twentieth Century"/>
+            </a:endParaRPr>
+          </a:p>
+          <a:p>
+            <a:pPr marL="0" marR="0" lvl="0" indent="0" algn="l" rtl="0">
+              <a:lnSpc>
+                <a:spcPct val="90000"/>
+              </a:lnSpc>
+              <a:spcBef>
+                <a:spcPts val="0"/>
+              </a:spcBef>
+              <a:spcAft>
+                <a:spcPts val="0"/>
+              </a:spcAft>
+              <a:buClr>
+                <a:schemeClr val="dk1"/>
+              </a:buClr>
+              <a:buSzPts val="2100"/>
+              <a:buFont typeface="Arial"/>
+              <a:buNone/>
+            </a:pPr>
+            <a:r>
+              <a:rPr lang="es-ES" sz="2100" dirty="0">
+                <a:solidFill>
+                  <a:schemeClr val="dk2"/>
+                </a:solidFill>
+                <a:latin typeface="Twentieth Century"/>
+                <a:sym typeface="Twentieth Century"/>
+              </a:rPr>
+              <a:t>Cuando el sistema “converge” el </a:t>
+            </a:r>
+            <a:r>
+              <a:rPr lang="es-ES" sz="2100" b="1" dirty="0">
+                <a:solidFill>
+                  <a:schemeClr val="dk2"/>
+                </a:solidFill>
+                <a:latin typeface="Twentieth Century"/>
+                <a:sym typeface="Twentieth Century"/>
+              </a:rPr>
+              <a:t>D</a:t>
+            </a:r>
+            <a:r>
+              <a:rPr lang="es-ES" sz="2100" dirty="0">
+                <a:solidFill>
+                  <a:schemeClr val="dk2"/>
+                </a:solidFill>
+                <a:latin typeface="Twentieth Century"/>
+                <a:sym typeface="Twentieth Century"/>
+              </a:rPr>
+              <a:t> no es capaz de distinguir datos reales de falsos (50% de real y 50% de falso)</a:t>
+            </a:r>
+          </a:p>
+          <a:p>
+            <a:pPr marL="0" marR="0" lvl="0" indent="0" algn="l" rtl="0">
+              <a:lnSpc>
+                <a:spcPct val="90000"/>
+              </a:lnSpc>
+              <a:spcBef>
+                <a:spcPts val="0"/>
+              </a:spcBef>
+              <a:spcAft>
+                <a:spcPts val="0"/>
+              </a:spcAft>
+              <a:buClr>
+                <a:schemeClr val="dk1"/>
+              </a:buClr>
+              <a:buSzPts val="2100"/>
+              <a:buFont typeface="Arial"/>
+              <a:buNone/>
+            </a:pPr>
+            <a:endParaRPr lang="es-ES" sz="2100" dirty="0">
+              <a:solidFill>
+                <a:schemeClr val="dk2"/>
+              </a:solidFill>
+              <a:latin typeface="Twentieth Century"/>
+              <a:sym typeface="Twentieth Century"/>
+            </a:endParaRPr>
+          </a:p>
+          <a:p>
+            <a:pPr marL="0" marR="0" lvl="0" indent="0" algn="l" rtl="0">
+              <a:lnSpc>
+                <a:spcPct val="90000"/>
+              </a:lnSpc>
+              <a:spcBef>
+                <a:spcPts val="0"/>
+              </a:spcBef>
+              <a:spcAft>
+                <a:spcPts val="0"/>
+              </a:spcAft>
+              <a:buClr>
+                <a:schemeClr val="dk1"/>
+              </a:buClr>
+              <a:buSzPts val="2100"/>
+              <a:buFont typeface="Arial"/>
+              <a:buNone/>
+            </a:pPr>
+            <a:r>
+              <a:rPr lang="es-ES" sz="2100" dirty="0">
+                <a:solidFill>
+                  <a:schemeClr val="dk2"/>
+                </a:solidFill>
+                <a:latin typeface="Twentieth Century"/>
+                <a:sym typeface="Twentieth Century"/>
+              </a:rPr>
+              <a:t>Ese punto de convergencia es teórico y aún no se ha podido alcanzar.</a:t>
+            </a:r>
+          </a:p>
+          <a:p>
+            <a:pPr marL="0" marR="0" lvl="0" indent="0" algn="l" rtl="0">
+              <a:lnSpc>
+                <a:spcPct val="90000"/>
+              </a:lnSpc>
+              <a:spcBef>
+                <a:spcPts val="0"/>
+              </a:spcBef>
+              <a:spcAft>
+                <a:spcPts val="0"/>
+              </a:spcAft>
+              <a:buClr>
+                <a:schemeClr val="dk1"/>
+              </a:buClr>
+              <a:buSzPts val="2100"/>
+              <a:buFont typeface="Arial"/>
+              <a:buNone/>
+            </a:pPr>
+            <a:endParaRPr lang="es-ES" sz="2100" dirty="0">
+              <a:solidFill>
+                <a:schemeClr val="dk2"/>
+              </a:solidFill>
+              <a:latin typeface="Twentieth Century"/>
+              <a:sym typeface="Twentieth Century"/>
+            </a:endParaRPr>
+          </a:p>
+          <a:p>
+            <a:pPr marL="0" marR="0" lvl="0" indent="0" algn="l" rtl="0">
+              <a:lnSpc>
+                <a:spcPct val="90000"/>
+              </a:lnSpc>
+              <a:spcBef>
+                <a:spcPts val="0"/>
+              </a:spcBef>
+              <a:spcAft>
+                <a:spcPts val="0"/>
+              </a:spcAft>
+              <a:buClr>
+                <a:schemeClr val="dk1"/>
+              </a:buClr>
+              <a:buSzPts val="2100"/>
+              <a:buFont typeface="Arial"/>
+              <a:buNone/>
+            </a:pPr>
+            <a:endParaRPr lang="es-ES" sz="2100" dirty="0">
+              <a:solidFill>
+                <a:schemeClr val="dk2"/>
+              </a:solidFill>
+              <a:latin typeface="Twentieth Century"/>
+              <a:sym typeface="Twentieth Century"/>
+            </a:endParaRPr>
+          </a:p>
+          <a:p>
+            <a:pPr marL="0" marR="0" lvl="0" indent="0" algn="l" rtl="0">
+              <a:lnSpc>
+                <a:spcPct val="90000"/>
+              </a:lnSpc>
+              <a:spcBef>
+                <a:spcPts val="0"/>
+              </a:spcBef>
+              <a:spcAft>
+                <a:spcPts val="0"/>
+              </a:spcAft>
+              <a:buClr>
+                <a:schemeClr val="dk1"/>
+              </a:buClr>
+              <a:buSzPts val="2100"/>
+              <a:buFont typeface="Arial"/>
+              <a:buNone/>
+            </a:pPr>
+            <a:endParaRPr lang="es-ES" sz="2100" dirty="0">
+              <a:solidFill>
+                <a:schemeClr val="dk2"/>
+              </a:solidFill>
+              <a:latin typeface="Twentieth Century"/>
+              <a:sym typeface="Twentieth Century"/>
+            </a:endParaRPr>
+          </a:p>
+          <a:p>
+            <a:pPr marL="0" marR="0" lvl="0" indent="0" algn="l" rtl="0">
+              <a:lnSpc>
+                <a:spcPct val="90000"/>
+              </a:lnSpc>
+              <a:spcBef>
+                <a:spcPts val="0"/>
+              </a:spcBef>
+              <a:spcAft>
+                <a:spcPts val="0"/>
+              </a:spcAft>
+              <a:buClr>
+                <a:schemeClr val="dk1"/>
+              </a:buClr>
+              <a:buSzPts val="2100"/>
+              <a:buFont typeface="Arial"/>
+              <a:buNone/>
+            </a:pPr>
+            <a:endParaRPr sz="1100" b="1" dirty="0">
+              <a:solidFill>
+                <a:schemeClr val="dk2"/>
+              </a:solidFill>
+            </a:endParaRPr>
+          </a:p>
+          <a:p>
+            <a:pPr marL="0" marR="0" lvl="0" indent="0" algn="l" rtl="0">
+              <a:lnSpc>
+                <a:spcPct val="90000"/>
+              </a:lnSpc>
+              <a:spcBef>
+                <a:spcPts val="800"/>
+              </a:spcBef>
+              <a:spcAft>
+                <a:spcPts val="0"/>
+              </a:spcAft>
+              <a:buClr>
+                <a:schemeClr val="lt1"/>
+              </a:buClr>
+              <a:buSzPts val="2100"/>
+              <a:buFont typeface="Arial"/>
+              <a:buNone/>
+            </a:pPr>
+            <a:endParaRPr sz="2100" dirty="0">
+              <a:solidFill>
+                <a:schemeClr val="dk2"/>
+              </a:solidFill>
+              <a:latin typeface="Twentieth Century"/>
+              <a:ea typeface="Twentieth Century"/>
+              <a:cs typeface="Twentieth Century"/>
+              <a:sym typeface="Twentieth Century"/>
+            </a:endParaRPr>
+          </a:p>
+        </p:txBody>
+      </p:sp>
+    </p:spTree>
+    <p:extLst>
+      <p:ext uri="{BB962C8B-B14F-4D97-AF65-F5344CB8AC3E}">
+        <p14:creationId xmlns:p14="http://schemas.microsoft.com/office/powerpoint/2010/main" val="2267865285"/>
+      </p:ext>
+    </p:extLst>
+  </p:cSld>
+  <p:clrMapOvr>
+    <a:masterClrMapping/>
+  </p:clrMapOvr>
+</p:sld>
+</file>
+
+<file path=ppt/slides/slide13.xml><?xml version="1.0" encoding="utf-8"?>
+<p:sld xmlns:a="http://schemas.openxmlformats.org/drawingml/2006/main" xmlns:r="http://schemas.openxmlformats.org/officeDocument/2006/relationships" xmlns:p="http://schemas.openxmlformats.org/presentationml/2006/main">
+  <p:cSld>
+    <p:spTree>
+      <p:nvGrpSpPr>
         <p:cNvPr id="1" name="Shape 218"/>
         <p:cNvGrpSpPr/>
         <p:nvPr/>
@@ -14515,7 +15215,7 @@
 </p:sld>
 </file>
 
-<file path=ppt/slides/slide13.xml><?xml version="1.0" encoding="utf-8"?>
+<file path=ppt/slides/slide14.xml><?xml version="1.0" encoding="utf-8"?>
 <p:sld xmlns:a="http://schemas.openxmlformats.org/drawingml/2006/main" xmlns:r="http://schemas.openxmlformats.org/officeDocument/2006/relationships" xmlns:p="http://schemas.openxmlformats.org/presentationml/2006/main">
   <p:cSld>
     <p:spTree>
@@ -14587,132 +15287,6 @@
               <a:t>Generative Adversarial Network (GAN)</a:t>
             </a:r>
             <a:endParaRPr sz="1100">
-              <a:solidFill>
-                <a:schemeClr val="dk2"/>
-              </a:solidFill>
-            </a:endParaRPr>
-          </a:p>
-        </p:txBody>
-      </p:sp>
-      <p:sp>
-        <p:nvSpPr>
-          <p:cNvPr id="227" name="Google Shape;227;g220569f7507_1_135"/>
-          <p:cNvSpPr txBox="1"/>
-          <p:nvPr/>
-        </p:nvSpPr>
-        <p:spPr>
-          <a:xfrm>
-            <a:off x="139733" y="3604450"/>
-            <a:ext cx="4320748" cy="1205809"/>
-          </a:xfrm>
-          <a:prstGeom prst="rect">
-            <a:avLst/>
-          </a:prstGeom>
-          <a:noFill/>
-          <a:ln>
-            <a:noFill/>
-          </a:ln>
-        </p:spPr>
-        <p:txBody>
-          <a:bodyPr spcFirstLastPara="1" wrap="square" lIns="68575" tIns="34275" rIns="68575" bIns="34275" anchor="t" anchorCtr="0">
-            <a:noAutofit/>
-          </a:bodyPr>
-          <a:lstStyle/>
-          <a:p>
-            <a:pPr marL="0" marR="0" lvl="0" indent="0" algn="l" rtl="0">
-              <a:lnSpc>
-                <a:spcPct val="90000"/>
-              </a:lnSpc>
-              <a:spcBef>
-                <a:spcPts val="0"/>
-              </a:spcBef>
-              <a:spcAft>
-                <a:spcPts val="0"/>
-              </a:spcAft>
-              <a:buClr>
-                <a:schemeClr val="dk1"/>
-              </a:buClr>
-              <a:buSzPts val="2100"/>
-              <a:buFont typeface="Arial"/>
-              <a:buNone/>
-            </a:pPr>
-            <a:r>
-              <a:rPr lang="en" sz="2100" dirty="0">
-                <a:solidFill>
-                  <a:schemeClr val="dk2"/>
-                </a:solidFill>
-                <a:latin typeface="Twentieth Century"/>
-                <a:ea typeface="Twentieth Century"/>
-                <a:cs typeface="Twentieth Century"/>
-                <a:sym typeface="Twentieth Century"/>
-              </a:rPr>
-              <a:t>Quiero generar un perro</a:t>
-            </a:r>
-            <a:r>
-              <a:rPr lang="en" sz="2100" dirty="0">
-                <a:solidFill>
-                  <a:schemeClr val="dk2"/>
-                </a:solidFill>
-                <a:latin typeface="Twentieth Century"/>
-                <a:ea typeface="Twentieth Century"/>
-                <a:cs typeface="Twentieth Century"/>
-                <a:sym typeface="Wingdings" panose="05000000000000000000" pitchFamily="2" charset="2"/>
-              </a:rPr>
-              <a:t></a:t>
-            </a:r>
-            <a:r>
-              <a:rPr lang="en" sz="2100" dirty="0">
-                <a:solidFill>
-                  <a:schemeClr val="dk2"/>
-                </a:solidFill>
-                <a:latin typeface="Twentieth Century"/>
-                <a:ea typeface="Twentieth Century"/>
-                <a:cs typeface="Twentieth Century"/>
-                <a:sym typeface="Twentieth Century"/>
-              </a:rPr>
-              <a:t> ¿cual es la func de prob para que tome un valor de ella y saque un perro?</a:t>
-            </a:r>
-            <a:endParaRPr sz="2100" dirty="0">
-              <a:solidFill>
-                <a:schemeClr val="dk2"/>
-              </a:solidFill>
-              <a:latin typeface="Twentieth Century"/>
-              <a:ea typeface="Twentieth Century"/>
-              <a:cs typeface="Twentieth Century"/>
-              <a:sym typeface="Twentieth Century"/>
-            </a:endParaRPr>
-          </a:p>
-          <a:p>
-            <a:pPr marL="0" marR="0" lvl="0" indent="0" algn="l" rtl="0">
-              <a:lnSpc>
-                <a:spcPct val="90000"/>
-              </a:lnSpc>
-              <a:spcBef>
-                <a:spcPts val="800"/>
-              </a:spcBef>
-              <a:spcAft>
-                <a:spcPts val="0"/>
-              </a:spcAft>
-              <a:buClr>
-                <a:schemeClr val="dk1"/>
-              </a:buClr>
-              <a:buSzPts val="2100"/>
-              <a:buFont typeface="Arial"/>
-              <a:buNone/>
-            </a:pPr>
-            <a:r>
-              <a:rPr lang="en" sz="2100" dirty="0">
-                <a:solidFill>
-                  <a:schemeClr val="dk2"/>
-                </a:solidFill>
-                <a:latin typeface="Twentieth Century"/>
-                <a:ea typeface="Twentieth Century"/>
-                <a:cs typeface="Twentieth Century"/>
-                <a:sym typeface="Twentieth Century"/>
-              </a:rPr>
-              <a:t>	</a:t>
-            </a:r>
-            <a:endParaRPr sz="1100" dirty="0">
               <a:solidFill>
                 <a:schemeClr val="dk2"/>
               </a:solidFill>
@@ -14923,319 +15497,19 @@
       </p:sp>
       <p:sp>
         <p:nvSpPr>
-          <p:cNvPr id="230" name="Google Shape;230;g220569f7507_1_135"/>
+          <p:cNvPr id="2" name="Google Shape;238;g220569f7507_1_144">
+            <a:extLst>
+              <a:ext uri="{FF2B5EF4-FFF2-40B4-BE49-F238E27FC236}">
+                <a16:creationId xmlns:a16="http://schemas.microsoft.com/office/drawing/2014/main" id="{6805E0BA-5B3D-9629-D43D-F1C128B8D5B7}"/>
+              </a:ext>
+            </a:extLst>
+          </p:cNvPr>
           <p:cNvSpPr txBox="1"/>
           <p:nvPr/>
         </p:nvSpPr>
         <p:spPr>
           <a:xfrm>
-            <a:off x="139733" y="2001392"/>
-            <a:ext cx="4432267" cy="1234062"/>
-          </a:xfrm>
-          <a:prstGeom prst="rect">
-            <a:avLst/>
-          </a:prstGeom>
-          <a:noFill/>
-          <a:ln>
-            <a:noFill/>
-          </a:ln>
-        </p:spPr>
-        <p:txBody>
-          <a:bodyPr spcFirstLastPara="1" wrap="square" lIns="68575" tIns="34275" rIns="68575" bIns="34275" anchor="t" anchorCtr="0">
-            <a:noAutofit/>
-          </a:bodyPr>
-          <a:lstStyle/>
-          <a:p>
-            <a:pPr marL="0" marR="0" lvl="0" indent="0" algn="l" rtl="0">
-              <a:lnSpc>
-                <a:spcPct val="90000"/>
-              </a:lnSpc>
-              <a:spcBef>
-                <a:spcPts val="0"/>
-              </a:spcBef>
-              <a:spcAft>
-                <a:spcPts val="0"/>
-              </a:spcAft>
-              <a:buClr>
-                <a:schemeClr val="dk1"/>
-              </a:buClr>
-              <a:buSzPts val="2100"/>
-              <a:buFont typeface="Arial"/>
-              <a:buNone/>
-            </a:pPr>
-            <a:r>
-              <a:rPr lang="en" sz="2100" b="1" dirty="0">
-                <a:solidFill>
-                  <a:schemeClr val="dk2"/>
-                </a:solidFill>
-                <a:latin typeface="Twentieth Century"/>
-                <a:ea typeface="Twentieth Century"/>
-                <a:cs typeface="Twentieth Century"/>
-                <a:sym typeface="Twentieth Century"/>
-              </a:rPr>
-              <a:t>G</a:t>
-            </a:r>
-            <a:r>
-              <a:rPr lang="en" sz="2100" dirty="0">
-                <a:solidFill>
-                  <a:schemeClr val="dk2"/>
-                </a:solidFill>
-                <a:latin typeface="Twentieth Century"/>
-                <a:ea typeface="Twentieth Century"/>
-                <a:cs typeface="Twentieth Century"/>
-                <a:sym typeface="Twentieth Century"/>
-              </a:rPr>
-              <a:t> </a:t>
-            </a:r>
-            <a:r>
-              <a:rPr lang="en" sz="2100" dirty="0">
-                <a:solidFill>
-                  <a:schemeClr val="dk2"/>
-                </a:solidFill>
-                <a:latin typeface="Twentieth Century"/>
-                <a:ea typeface="Twentieth Century"/>
-                <a:cs typeface="Twentieth Century"/>
-                <a:sym typeface="Wingdings" panose="05000000000000000000" pitchFamily="2" charset="2"/>
-              </a:rPr>
-              <a:t></a:t>
-            </a:r>
-            <a:r>
-              <a:rPr lang="en" sz="2100" dirty="0">
-                <a:solidFill>
-                  <a:schemeClr val="dk2"/>
-                </a:solidFill>
-                <a:latin typeface="Twentieth Century"/>
-                <a:ea typeface="Twentieth Century"/>
-                <a:cs typeface="Twentieth Century"/>
-                <a:sym typeface="Twentieth Century"/>
-              </a:rPr>
-              <a:t> debe aprender una func de prob sobre los objetos que deseamos crear a partir de un RND (vector)	</a:t>
-            </a:r>
-            <a:endParaRPr sz="1100" dirty="0">
-              <a:solidFill>
-                <a:schemeClr val="dk2"/>
-              </a:solidFill>
-            </a:endParaRPr>
-          </a:p>
-          <a:p>
-            <a:pPr marL="0" marR="0" lvl="0" indent="0" algn="l" rtl="0">
-              <a:lnSpc>
-                <a:spcPct val="90000"/>
-              </a:lnSpc>
-              <a:spcBef>
-                <a:spcPts val="800"/>
-              </a:spcBef>
-              <a:spcAft>
-                <a:spcPts val="0"/>
-              </a:spcAft>
-              <a:buClr>
-                <a:schemeClr val="lt1"/>
-              </a:buClr>
-              <a:buSzPts val="2100"/>
-              <a:buFont typeface="Arial"/>
-              <a:buNone/>
-            </a:pPr>
-            <a:endParaRPr sz="2100" dirty="0">
-              <a:solidFill>
-                <a:schemeClr val="dk2"/>
-              </a:solidFill>
-              <a:latin typeface="Twentieth Century"/>
-              <a:ea typeface="Twentieth Century"/>
-              <a:cs typeface="Twentieth Century"/>
-              <a:sym typeface="Twentieth Century"/>
-            </a:endParaRPr>
-          </a:p>
-        </p:txBody>
-      </p:sp>
-      <p:sp>
-        <p:nvSpPr>
-          <p:cNvPr id="231" name="Google Shape;231;g220569f7507_1_135"/>
-          <p:cNvSpPr txBox="1"/>
-          <p:nvPr/>
-        </p:nvSpPr>
-        <p:spPr>
-          <a:xfrm>
-            <a:off x="2660805" y="4644863"/>
-            <a:ext cx="1644571" cy="330790"/>
-          </a:xfrm>
-          <a:prstGeom prst="rect">
-            <a:avLst/>
-          </a:prstGeom>
-          <a:noFill/>
-          <a:ln>
-            <a:noFill/>
-          </a:ln>
-        </p:spPr>
-        <p:txBody>
-          <a:bodyPr spcFirstLastPara="1" wrap="square" lIns="68575" tIns="34275" rIns="68575" bIns="34275" anchor="t" anchorCtr="0">
-            <a:noAutofit/>
-          </a:bodyPr>
-          <a:lstStyle/>
-          <a:p>
-            <a:pPr marL="0" marR="0" lvl="0" indent="0" algn="l" rtl="0">
-              <a:lnSpc>
-                <a:spcPct val="90000"/>
-              </a:lnSpc>
-              <a:spcBef>
-                <a:spcPts val="0"/>
-              </a:spcBef>
-              <a:spcAft>
-                <a:spcPts val="0"/>
-              </a:spcAft>
-              <a:buClr>
-                <a:srgbClr val="FF0000"/>
-              </a:buClr>
-              <a:buSzPts val="2100"/>
-              <a:buFont typeface="Arial"/>
-              <a:buNone/>
-            </a:pPr>
-            <a:r>
-              <a:rPr lang="en" sz="2100" b="1">
-                <a:solidFill>
-                  <a:srgbClr val="FF0000"/>
-                </a:solidFill>
-                <a:latin typeface="Twentieth Century"/>
-                <a:ea typeface="Twentieth Century"/>
-                <a:cs typeface="Twentieth Century"/>
-                <a:sym typeface="Twentieth Century"/>
-              </a:rPr>
-              <a:t>generative</a:t>
-            </a:r>
-            <a:endParaRPr sz="2100">
-              <a:solidFill>
-                <a:srgbClr val="FF0000"/>
-              </a:solidFill>
-              <a:latin typeface="Twentieth Century"/>
-              <a:ea typeface="Twentieth Century"/>
-              <a:cs typeface="Twentieth Century"/>
-              <a:sym typeface="Twentieth Century"/>
-            </a:endParaRPr>
-          </a:p>
-        </p:txBody>
-      </p:sp>
-    </p:spTree>
-  </p:cSld>
-  <p:clrMapOvr>
-    <a:masterClrMapping/>
-  </p:clrMapOvr>
-</p:sld>
-</file>
-
-<file path=ppt/slides/slide14.xml><?xml version="1.0" encoding="utf-8"?>
-<p:sld xmlns:a="http://schemas.openxmlformats.org/drawingml/2006/main" xmlns:r="http://schemas.openxmlformats.org/officeDocument/2006/relationships" xmlns:p="http://schemas.openxmlformats.org/presentationml/2006/main">
-  <p:cSld>
-    <p:spTree>
-      <p:nvGrpSpPr>
-        <p:cNvPr id="1" name="Shape 235"/>
-        <p:cNvGrpSpPr/>
-        <p:nvPr/>
-      </p:nvGrpSpPr>
-      <p:grpSpPr>
-        <a:xfrm>
-          <a:off x="0" y="0"/>
-          <a:ext cx="0" cy="0"/>
-          <a:chOff x="0" y="0"/>
-          <a:chExt cx="0" cy="0"/>
-        </a:xfrm>
-      </p:grpSpPr>
-      <p:sp>
-        <p:nvSpPr>
-          <p:cNvPr id="236" name="Google Shape;236;g220569f7507_1_144"/>
-          <p:cNvSpPr txBox="1"/>
-          <p:nvPr/>
-        </p:nvSpPr>
-        <p:spPr>
-          <a:xfrm>
-            <a:off x="0" y="0"/>
-            <a:ext cx="9383486" cy="814403"/>
-          </a:xfrm>
-          <a:prstGeom prst="rect">
-            <a:avLst/>
-          </a:prstGeom>
-          <a:noFill/>
-          <a:ln>
-            <a:noFill/>
-          </a:ln>
-        </p:spPr>
-        <p:txBody>
-          <a:bodyPr spcFirstLastPara="1" wrap="square" lIns="68575" tIns="34275" rIns="68575" bIns="34275" anchor="t" anchorCtr="0">
-            <a:noAutofit/>
-          </a:bodyPr>
-          <a:lstStyle/>
-          <a:p>
-            <a:pPr marL="0" marR="0" lvl="0" indent="0" algn="ctr" rtl="0">
-              <a:lnSpc>
-                <a:spcPct val="120000"/>
-              </a:lnSpc>
-              <a:spcBef>
-                <a:spcPts val="0"/>
-              </a:spcBef>
-              <a:spcAft>
-                <a:spcPts val="0"/>
-              </a:spcAft>
-              <a:buClr>
-                <a:schemeClr val="dk1"/>
-              </a:buClr>
-              <a:buSzPts val="3000"/>
-              <a:buFont typeface="Arial"/>
-              <a:buNone/>
-            </a:pPr>
-            <a:r>
-              <a:rPr lang="en" sz="2400">
-                <a:solidFill>
-                  <a:schemeClr val="dk2"/>
-                </a:solidFill>
-                <a:latin typeface="Twentieth Century"/>
-                <a:ea typeface="Twentieth Century"/>
-                <a:cs typeface="Twentieth Century"/>
-                <a:sym typeface="Twentieth Century"/>
-              </a:rPr>
-              <a:t>Generative Adversarial Network (GAN)</a:t>
-            </a:r>
-            <a:endParaRPr sz="1100">
-              <a:solidFill>
-                <a:schemeClr val="dk2"/>
-              </a:solidFill>
-            </a:endParaRPr>
-          </a:p>
-        </p:txBody>
-      </p:sp>
-      <p:pic>
-        <p:nvPicPr>
-          <p:cNvPr id="237" name="Google Shape;237;g220569f7507_1_144"/>
-          <p:cNvPicPr preferRelativeResize="0"/>
-          <p:nvPr/>
-        </p:nvPicPr>
-        <p:blipFill rotWithShape="1">
-          <a:blip r:embed="rId3">
-            <a:alphaModFix/>
-          </a:blip>
-          <a:srcRect/>
-          <a:stretch/>
-        </p:blipFill>
-        <p:spPr>
-          <a:xfrm>
-            <a:off x="5069792" y="731409"/>
-            <a:ext cx="3672643" cy="4415425"/>
-          </a:xfrm>
-          <a:prstGeom prst="rect">
-            <a:avLst/>
-          </a:prstGeom>
-          <a:noFill/>
-          <a:ln>
-            <a:noFill/>
-          </a:ln>
-        </p:spPr>
-      </p:pic>
-      <p:sp>
-        <p:nvSpPr>
-          <p:cNvPr id="238" name="Google Shape;238;g220569f7507_1_144"/>
-          <p:cNvSpPr txBox="1"/>
-          <p:nvPr/>
-        </p:nvSpPr>
-        <p:spPr>
-          <a:xfrm>
-            <a:off x="259476" y="721555"/>
+            <a:off x="117195" y="2884445"/>
             <a:ext cx="4432267" cy="939820"/>
           </a:xfrm>
           <a:prstGeom prst="rect">
@@ -15331,13 +15605,19 @@
       </p:sp>
       <p:sp>
         <p:nvSpPr>
-          <p:cNvPr id="239" name="Google Shape;239;g220569f7507_1_144"/>
+          <p:cNvPr id="3" name="Google Shape;239;g220569f7507_1_144">
+            <a:extLst>
+              <a:ext uri="{FF2B5EF4-FFF2-40B4-BE49-F238E27FC236}">
+                <a16:creationId xmlns:a16="http://schemas.microsoft.com/office/drawing/2014/main" id="{0829DAA1-5D49-B41C-D512-29EFF96AA847}"/>
+              </a:ext>
+            </a:extLst>
+          </p:cNvPr>
           <p:cNvSpPr txBox="1"/>
           <p:nvPr/>
         </p:nvSpPr>
         <p:spPr>
           <a:xfrm>
-            <a:off x="259475" y="1935723"/>
+            <a:off x="139733" y="3945437"/>
             <a:ext cx="4432267" cy="643271"/>
           </a:xfrm>
           <a:prstGeom prst="rect">
@@ -15469,13 +15749,19 @@
       </p:sp>
       <p:sp>
         <p:nvSpPr>
-          <p:cNvPr id="240" name="Google Shape;240;g220569f7507_1_144"/>
+          <p:cNvPr id="4" name="Google Shape;240;g220569f7507_1_144">
+            <a:extLst>
+              <a:ext uri="{FF2B5EF4-FFF2-40B4-BE49-F238E27FC236}">
+                <a16:creationId xmlns:a16="http://schemas.microsoft.com/office/drawing/2014/main" id="{ECA63837-EE2B-8924-E0B7-602D680265D7}"/>
+              </a:ext>
+            </a:extLst>
+          </p:cNvPr>
           <p:cNvSpPr txBox="1"/>
           <p:nvPr/>
         </p:nvSpPr>
         <p:spPr>
           <a:xfrm>
-            <a:off x="265188" y="3790634"/>
+            <a:off x="139733" y="1799048"/>
             <a:ext cx="4432267" cy="939820"/>
           </a:xfrm>
           <a:prstGeom prst="rect">
@@ -15656,138 +15942,6 @@
             <a:endParaRPr sz="2100" dirty="0">
               <a:solidFill>
                 <a:schemeClr val="dk2"/>
-              </a:solidFill>
-              <a:latin typeface="Twentieth Century"/>
-              <a:ea typeface="Twentieth Century"/>
-              <a:cs typeface="Twentieth Century"/>
-              <a:sym typeface="Twentieth Century"/>
-            </a:endParaRPr>
-          </a:p>
-        </p:txBody>
-      </p:sp>
-      <p:sp>
-        <p:nvSpPr>
-          <p:cNvPr id="241" name="Google Shape;241;g220569f7507_1_144"/>
-          <p:cNvSpPr txBox="1"/>
-          <p:nvPr/>
-        </p:nvSpPr>
-        <p:spPr>
-          <a:xfrm>
-            <a:off x="1457433" y="3347826"/>
-            <a:ext cx="2135774" cy="330790"/>
-          </a:xfrm>
-          <a:prstGeom prst="rect">
-            <a:avLst/>
-          </a:prstGeom>
-          <a:noFill/>
-          <a:ln>
-            <a:noFill/>
-          </a:ln>
-        </p:spPr>
-        <p:txBody>
-          <a:bodyPr spcFirstLastPara="1" wrap="square" lIns="68575" tIns="34275" rIns="68575" bIns="34275" anchor="t" anchorCtr="0">
-            <a:noAutofit/>
-          </a:bodyPr>
-          <a:lstStyle/>
-          <a:p>
-            <a:pPr marL="0" marR="0" lvl="0" indent="0" algn="l" rtl="0">
-              <a:lnSpc>
-                <a:spcPct val="90000"/>
-              </a:lnSpc>
-              <a:spcBef>
-                <a:spcPts val="0"/>
-              </a:spcBef>
-              <a:spcAft>
-                <a:spcPts val="0"/>
-              </a:spcAft>
-              <a:buClr>
-                <a:schemeClr val="dk1"/>
-              </a:buClr>
-              <a:buSzPts val="2100"/>
-              <a:buFont typeface="Arial"/>
-              <a:buNone/>
-            </a:pPr>
-            <a:r>
-              <a:rPr lang="en" sz="2100" b="1">
-                <a:solidFill>
-                  <a:schemeClr val="dk2"/>
-                </a:solidFill>
-                <a:latin typeface="Twentieth Century"/>
-                <a:ea typeface="Twentieth Century"/>
-                <a:cs typeface="Twentieth Century"/>
-                <a:sym typeface="Twentieth Century"/>
-              </a:rPr>
-              <a:t>entrenamiento</a:t>
-            </a:r>
-            <a:endParaRPr sz="2100">
-              <a:solidFill>
-                <a:schemeClr val="dk2"/>
-              </a:solidFill>
-              <a:latin typeface="Twentieth Century"/>
-              <a:ea typeface="Twentieth Century"/>
-              <a:cs typeface="Twentieth Century"/>
-              <a:sym typeface="Twentieth Century"/>
-            </a:endParaRPr>
-          </a:p>
-        </p:txBody>
-      </p:sp>
-      <p:sp>
-        <p:nvSpPr>
-          <p:cNvPr id="242" name="Google Shape;242;g220569f7507_1_144"/>
-          <p:cNvSpPr txBox="1"/>
-          <p:nvPr/>
-        </p:nvSpPr>
-        <p:spPr>
-          <a:xfrm>
-            <a:off x="1407722" y="4637606"/>
-            <a:ext cx="1644572" cy="330790"/>
-          </a:xfrm>
-          <a:prstGeom prst="rect">
-            <a:avLst/>
-          </a:prstGeom>
-          <a:noFill/>
-          <a:ln>
-            <a:noFill/>
-          </a:ln>
-        </p:spPr>
-        <p:txBody>
-          <a:bodyPr spcFirstLastPara="1" wrap="square" lIns="68575" tIns="34275" rIns="68575" bIns="34275" anchor="t" anchorCtr="0">
-            <a:noAutofit/>
-          </a:bodyPr>
-          <a:lstStyle/>
-          <a:p>
-            <a:pPr marL="0" marR="0" lvl="0" indent="0" algn="l" rtl="0">
-              <a:lnSpc>
-                <a:spcPct val="90000"/>
-              </a:lnSpc>
-              <a:spcBef>
-                <a:spcPts val="0"/>
-              </a:spcBef>
-              <a:spcAft>
-                <a:spcPts val="0"/>
-              </a:spcAft>
-              <a:buClr>
-                <a:srgbClr val="FF0000"/>
-              </a:buClr>
-              <a:buSzPts val="2100"/>
-              <a:buFont typeface="Arial"/>
-              <a:buNone/>
-            </a:pPr>
-            <a:r>
-              <a:rPr lang="en" sz="2100" b="1">
-                <a:solidFill>
-                  <a:srgbClr val="FF0000"/>
-                </a:solidFill>
-                <a:latin typeface="Twentieth Century"/>
-                <a:ea typeface="Twentieth Century"/>
-                <a:cs typeface="Twentieth Century"/>
-                <a:sym typeface="Twentieth Century"/>
-              </a:rPr>
-              <a:t>adversarial</a:t>
-            </a:r>
-            <a:endParaRPr sz="2100">
-              <a:solidFill>
-                <a:srgbClr val="FF0000"/>
               </a:solidFill>
               <a:latin typeface="Twentieth Century"/>
               <a:ea typeface="Twentieth Century"/>
@@ -16537,11 +16691,17 @@
 </file>
 
 <file path=ppt/slides/slide16.xml><?xml version="1.0" encoding="utf-8"?>
-<p:sld xmlns:a="http://schemas.openxmlformats.org/drawingml/2006/main" xmlns:r="http://schemas.openxmlformats.org/officeDocument/2006/relationships" xmlns:p="http://schemas.openxmlformats.org/presentationml/2006/main" show="0">
+<p:sld xmlns:a="http://schemas.openxmlformats.org/drawingml/2006/main" xmlns:r="http://schemas.openxmlformats.org/officeDocument/2006/relationships" xmlns:p="http://schemas.openxmlformats.org/presentationml/2006/main">
   <p:cSld>
     <p:spTree>
       <p:nvGrpSpPr>
-        <p:cNvPr id="1" name="Shape 256"/>
+        <p:cNvPr id="1" name="Shape 267">
+          <a:extLst>
+            <a:ext uri="{FF2B5EF4-FFF2-40B4-BE49-F238E27FC236}">
+              <a16:creationId xmlns:a16="http://schemas.microsoft.com/office/drawing/2014/main" id="{DEE781F1-57AC-E6E3-6B6D-A9E2536C952C}"/>
+            </a:ext>
+          </a:extLst>
+        </p:cNvPr>
         <p:cNvGrpSpPr/>
         <p:nvPr/>
       </p:nvGrpSpPr>
@@ -16555,7 +16715,386 @@
       </p:grpSpPr>
       <p:sp>
         <p:nvSpPr>
-          <p:cNvPr id="257" name="Google Shape;257;g220569f7507_1_163"/>
+          <p:cNvPr id="268" name="Google Shape;268;g220569f7507_1_172">
+            <a:extLst>
+              <a:ext uri="{FF2B5EF4-FFF2-40B4-BE49-F238E27FC236}">
+                <a16:creationId xmlns:a16="http://schemas.microsoft.com/office/drawing/2014/main" id="{A2EDDB55-49CB-222B-05D9-0599A6F28B0D}"/>
+              </a:ext>
+            </a:extLst>
+          </p:cNvPr>
+          <p:cNvSpPr txBox="1"/>
+          <p:nvPr/>
+        </p:nvSpPr>
+        <p:spPr>
+          <a:xfrm>
+            <a:off x="156174" y="1034740"/>
+            <a:ext cx="8641496" cy="3735564"/>
+          </a:xfrm>
+          <a:prstGeom prst="rect">
+            <a:avLst/>
+          </a:prstGeom>
+          <a:noFill/>
+          <a:ln>
+            <a:noFill/>
+          </a:ln>
+        </p:spPr>
+        <p:txBody>
+          <a:bodyPr spcFirstLastPara="1" wrap="square" lIns="68575" tIns="34275" rIns="68575" bIns="34275" anchor="t" anchorCtr="0">
+            <a:noAutofit/>
+          </a:bodyPr>
+          <a:lstStyle/>
+          <a:p>
+            <a:pPr marL="0" marR="0" lvl="0" indent="0" algn="l" rtl="0">
+              <a:lnSpc>
+                <a:spcPct val="90000"/>
+              </a:lnSpc>
+              <a:spcBef>
+                <a:spcPts val="0"/>
+              </a:spcBef>
+              <a:spcAft>
+                <a:spcPts val="0"/>
+              </a:spcAft>
+              <a:buClr>
+                <a:schemeClr val="dk1"/>
+              </a:buClr>
+              <a:buSzPts val="2100"/>
+              <a:buFont typeface="Arial"/>
+              <a:buNone/>
+            </a:pPr>
+            <a:r>
+              <a:rPr lang="en" sz="2100" dirty="0">
+                <a:solidFill>
+                  <a:schemeClr val="dk2"/>
+                </a:solidFill>
+                <a:latin typeface="Twentieth Century"/>
+                <a:ea typeface="Twentieth Century"/>
+                <a:cs typeface="Twentieth Century"/>
+                <a:sym typeface="Twentieth Century"/>
+              </a:rPr>
+              <a:t>Entrena GANs es actualmente una especie de “trabajo de artesano”</a:t>
+            </a:r>
+          </a:p>
+          <a:p>
+            <a:pPr marL="0" marR="0" lvl="0" indent="0" algn="l" rtl="0">
+              <a:lnSpc>
+                <a:spcPct val="90000"/>
+              </a:lnSpc>
+              <a:spcBef>
+                <a:spcPts val="0"/>
+              </a:spcBef>
+              <a:spcAft>
+                <a:spcPts val="0"/>
+              </a:spcAft>
+              <a:buClr>
+                <a:schemeClr val="dk1"/>
+              </a:buClr>
+              <a:buSzPts val="2100"/>
+              <a:buFont typeface="Arial"/>
+              <a:buNone/>
+            </a:pPr>
+            <a:endParaRPr lang="en" sz="2100" dirty="0">
+              <a:solidFill>
+                <a:schemeClr val="dk2"/>
+              </a:solidFill>
+              <a:latin typeface="Twentieth Century"/>
+              <a:ea typeface="Twentieth Century"/>
+              <a:cs typeface="Twentieth Century"/>
+              <a:sym typeface="Twentieth Century"/>
+            </a:endParaRPr>
+          </a:p>
+          <a:p>
+            <a:pPr marL="0" marR="0" lvl="0" indent="0" algn="l" rtl="0">
+              <a:lnSpc>
+                <a:spcPct val="90000"/>
+              </a:lnSpc>
+              <a:spcBef>
+                <a:spcPts val="0"/>
+              </a:spcBef>
+              <a:spcAft>
+                <a:spcPts val="0"/>
+              </a:spcAft>
+              <a:buClr>
+                <a:schemeClr val="dk1"/>
+              </a:buClr>
+              <a:buSzPts val="2100"/>
+              <a:buFont typeface="Arial"/>
+              <a:buNone/>
+            </a:pPr>
+            <a:r>
+              <a:rPr lang="en" sz="2100" dirty="0">
+                <a:solidFill>
+                  <a:schemeClr val="dk2"/>
+                </a:solidFill>
+                <a:latin typeface="Twentieth Century"/>
+                <a:ea typeface="Twentieth Century"/>
+                <a:cs typeface="Twentieth Century"/>
+                <a:sym typeface="Twentieth Century"/>
+              </a:rPr>
+              <a:t>Algunos trucos son:</a:t>
+            </a:r>
+          </a:p>
+          <a:p>
+            <a:pPr marL="0" marR="0" lvl="0" indent="0" algn="l" rtl="0">
+              <a:lnSpc>
+                <a:spcPct val="90000"/>
+              </a:lnSpc>
+              <a:spcBef>
+                <a:spcPts val="0"/>
+              </a:spcBef>
+              <a:spcAft>
+                <a:spcPts val="0"/>
+              </a:spcAft>
+              <a:buClr>
+                <a:schemeClr val="dk1"/>
+              </a:buClr>
+              <a:buSzPts val="2100"/>
+              <a:buFont typeface="Arial"/>
+              <a:buNone/>
+            </a:pPr>
+            <a:endParaRPr lang="en" sz="2100" dirty="0">
+              <a:solidFill>
+                <a:schemeClr val="dk2"/>
+              </a:solidFill>
+              <a:latin typeface="Twentieth Century"/>
+              <a:ea typeface="Twentieth Century"/>
+              <a:cs typeface="Twentieth Century"/>
+              <a:sym typeface="Twentieth Century"/>
+            </a:endParaRPr>
+          </a:p>
+          <a:p>
+            <a:pPr marL="342900" marR="0" lvl="0" indent="-342900" algn="l" rtl="0">
+              <a:lnSpc>
+                <a:spcPct val="90000"/>
+              </a:lnSpc>
+              <a:spcBef>
+                <a:spcPts val="0"/>
+              </a:spcBef>
+              <a:spcAft>
+                <a:spcPts val="0"/>
+              </a:spcAft>
+              <a:buClr>
+                <a:schemeClr val="dk1"/>
+              </a:buClr>
+              <a:buSzPts val="2100"/>
+              <a:buFontTx/>
+              <a:buChar char="-"/>
+            </a:pPr>
+            <a:r>
+              <a:rPr lang="en" sz="2100" dirty="0">
+                <a:solidFill>
+                  <a:schemeClr val="dk2"/>
+                </a:solidFill>
+                <a:latin typeface="Twentieth Century"/>
+                <a:ea typeface="Twentieth Century"/>
+                <a:cs typeface="Twentieth Century"/>
+                <a:sym typeface="Twentieth Century"/>
+              </a:rPr>
+              <a:t>TanH como output del generador.</a:t>
+            </a:r>
+          </a:p>
+          <a:p>
+            <a:pPr marL="342900" marR="0" lvl="0" indent="-342900" algn="l" rtl="0">
+              <a:lnSpc>
+                <a:spcPct val="90000"/>
+              </a:lnSpc>
+              <a:spcBef>
+                <a:spcPts val="0"/>
+              </a:spcBef>
+              <a:spcAft>
+                <a:spcPts val="0"/>
+              </a:spcAft>
+              <a:buClr>
+                <a:schemeClr val="dk1"/>
+              </a:buClr>
+              <a:buSzPts val="2100"/>
+              <a:buFontTx/>
+              <a:buChar char="-"/>
+            </a:pPr>
+            <a:r>
+              <a:rPr lang="en" sz="2100" dirty="0">
+                <a:solidFill>
+                  <a:schemeClr val="dk2"/>
+                </a:solidFill>
+                <a:latin typeface="Twentieth Century"/>
+                <a:ea typeface="Twentieth Century"/>
+                <a:cs typeface="Twentieth Century"/>
+                <a:sym typeface="Twentieth Century"/>
+              </a:rPr>
+              <a:t>Poner etiquetas reales a muestras falsas para entrenar generador.</a:t>
+            </a:r>
+          </a:p>
+          <a:p>
+            <a:pPr marL="342900" marR="0" lvl="0" indent="-342900" algn="l" rtl="0">
+              <a:lnSpc>
+                <a:spcPct val="90000"/>
+              </a:lnSpc>
+              <a:spcBef>
+                <a:spcPts val="0"/>
+              </a:spcBef>
+              <a:spcAft>
+                <a:spcPts val="0"/>
+              </a:spcAft>
+              <a:buClr>
+                <a:schemeClr val="dk1"/>
+              </a:buClr>
+              <a:buSzPts val="2100"/>
+              <a:buFontTx/>
+              <a:buChar char="-"/>
+            </a:pPr>
+            <a:r>
+              <a:rPr lang="es-AR" sz="2100" dirty="0">
+                <a:solidFill>
+                  <a:schemeClr val="dk2"/>
+                </a:solidFill>
+                <a:latin typeface="Twentieth Century"/>
+                <a:ea typeface="Twentieth Century"/>
+                <a:cs typeface="Twentieth Century"/>
+                <a:sym typeface="Twentieth Century"/>
+              </a:rPr>
+              <a:t>U</a:t>
+            </a:r>
+            <a:r>
+              <a:rPr lang="en" sz="2100" dirty="0">
+                <a:solidFill>
+                  <a:schemeClr val="dk2"/>
+                </a:solidFill>
+                <a:latin typeface="Twentieth Century"/>
+                <a:ea typeface="Twentieth Century"/>
+                <a:cs typeface="Twentieth Century"/>
+                <a:sym typeface="Twentieth Century"/>
+              </a:rPr>
+              <a:t>sar batch normalization y minibatch</a:t>
+            </a:r>
+          </a:p>
+          <a:p>
+            <a:pPr marL="342900" marR="0" lvl="0" indent="-342900" algn="l" rtl="0">
+              <a:lnSpc>
+                <a:spcPct val="90000"/>
+              </a:lnSpc>
+              <a:spcBef>
+                <a:spcPts val="0"/>
+              </a:spcBef>
+              <a:spcAft>
+                <a:spcPts val="0"/>
+              </a:spcAft>
+              <a:buClr>
+                <a:schemeClr val="dk1"/>
+              </a:buClr>
+              <a:buSzPts val="2100"/>
+              <a:buFontTx/>
+              <a:buChar char="-"/>
+            </a:pPr>
+            <a:r>
+              <a:rPr lang="en" sz="2100" dirty="0">
+                <a:solidFill>
+                  <a:schemeClr val="dk2"/>
+                </a:solidFill>
+                <a:latin typeface="Twentieth Century"/>
+                <a:ea typeface="Twentieth Century"/>
+                <a:cs typeface="Twentieth Century"/>
+                <a:sym typeface="Twentieth Century"/>
+              </a:rPr>
+              <a:t>Evitar Maxpool, ReLu (usar average pool, LeakyReLu)</a:t>
+            </a:r>
+          </a:p>
+          <a:p>
+            <a:pPr marL="342900" marR="0" lvl="0" indent="-342900" algn="l" rtl="0">
+              <a:lnSpc>
+                <a:spcPct val="90000"/>
+              </a:lnSpc>
+              <a:spcBef>
+                <a:spcPts val="0"/>
+              </a:spcBef>
+              <a:spcAft>
+                <a:spcPts val="0"/>
+              </a:spcAft>
+              <a:buClr>
+                <a:schemeClr val="dk1"/>
+              </a:buClr>
+              <a:buSzPts val="2100"/>
+              <a:buFontTx/>
+              <a:buChar char="-"/>
+            </a:pPr>
+            <a:r>
+              <a:rPr lang="en" sz="2100" dirty="0">
+                <a:solidFill>
+                  <a:schemeClr val="dk2"/>
+                </a:solidFill>
+                <a:latin typeface="Twentieth Century"/>
+                <a:ea typeface="Twentieth Century"/>
+                <a:cs typeface="Twentieth Century"/>
+                <a:sym typeface="Twentieth Century"/>
+              </a:rPr>
+              <a:t>Usar Adam como optimizador</a:t>
+            </a:r>
+          </a:p>
+          <a:p>
+            <a:pPr marL="0" marR="0" lvl="0" indent="0" algn="l" rtl="0">
+              <a:lnSpc>
+                <a:spcPct val="90000"/>
+              </a:lnSpc>
+              <a:spcBef>
+                <a:spcPts val="0"/>
+              </a:spcBef>
+              <a:spcAft>
+                <a:spcPts val="0"/>
+              </a:spcAft>
+              <a:buClr>
+                <a:schemeClr val="dk1"/>
+              </a:buClr>
+              <a:buSzPts val="2100"/>
+              <a:buFont typeface="Arial"/>
+              <a:buNone/>
+            </a:pPr>
+            <a:endParaRPr sz="2100" dirty="0">
+              <a:solidFill>
+                <a:schemeClr val="dk2"/>
+              </a:solidFill>
+              <a:latin typeface="Twentieth Century"/>
+              <a:ea typeface="Twentieth Century"/>
+              <a:cs typeface="Twentieth Century"/>
+              <a:sym typeface="Twentieth Century"/>
+            </a:endParaRPr>
+          </a:p>
+          <a:p>
+            <a:pPr marL="0" marR="0" lvl="0" indent="0" algn="l" rtl="0">
+              <a:lnSpc>
+                <a:spcPct val="90000"/>
+              </a:lnSpc>
+              <a:spcBef>
+                <a:spcPts val="800"/>
+              </a:spcBef>
+              <a:spcAft>
+                <a:spcPts val="0"/>
+              </a:spcAft>
+              <a:buClr>
+                <a:schemeClr val="lt1"/>
+              </a:buClr>
+              <a:buSzPts val="2100"/>
+              <a:buFont typeface="Arial"/>
+              <a:buNone/>
+            </a:pPr>
+            <a:endParaRPr sz="2100" dirty="0">
+              <a:solidFill>
+                <a:schemeClr val="dk2"/>
+              </a:solidFill>
+              <a:latin typeface="Twentieth Century"/>
+              <a:ea typeface="Twentieth Century"/>
+              <a:cs typeface="Twentieth Century"/>
+              <a:sym typeface="Twentieth Century"/>
+            </a:endParaRPr>
+          </a:p>
+        </p:txBody>
+      </p:sp>
+      <p:sp>
+        <p:nvSpPr>
+          <p:cNvPr id="269" name="Google Shape;269;g220569f7507_1_172">
+            <a:extLst>
+              <a:ext uri="{FF2B5EF4-FFF2-40B4-BE49-F238E27FC236}">
+                <a16:creationId xmlns:a16="http://schemas.microsoft.com/office/drawing/2014/main" id="{639ED827-AF87-178A-F1AA-8E9F6BC77668}"/>
+              </a:ext>
+            </a:extLst>
+          </p:cNvPr>
           <p:cNvSpPr txBox="1"/>
           <p:nvPr/>
         </p:nvSpPr>
@@ -16598,432 +17137,29 @@
             <a:r>
               <a:rPr lang="en" sz="2400">
                 <a:solidFill>
-                  <a:schemeClr val="dk1"/>
+                  <a:schemeClr val="dk2"/>
                 </a:solidFill>
                 <a:latin typeface="Twentieth Century"/>
                 <a:ea typeface="Twentieth Century"/>
                 <a:cs typeface="Twentieth Century"/>
                 <a:sym typeface="Twentieth Century"/>
               </a:rPr>
-              <a:t>Generative Adversarial Network (GAN) – Valor optimo para D(x)</a:t>
+              <a:t>Generative Adversarial Network (GAN)</a:t>
             </a:r>
-            <a:endParaRPr sz="1100"/>
-          </a:p>
-        </p:txBody>
-      </p:sp>
-      <p:pic>
-        <p:nvPicPr>
-          <p:cNvPr id="258" name="Google Shape;258;g220569f7507_1_163"/>
-          <p:cNvPicPr preferRelativeResize="0"/>
-          <p:nvPr/>
-        </p:nvPicPr>
-        <p:blipFill rotWithShape="1">
-          <a:blip r:embed="rId3">
-            <a:alphaModFix/>
-          </a:blip>
-          <a:srcRect/>
-          <a:stretch/>
-        </p:blipFill>
-        <p:spPr>
-          <a:xfrm>
-            <a:off x="950088" y="814403"/>
-            <a:ext cx="6938926" cy="789133"/>
-          </a:xfrm>
-          <a:prstGeom prst="rect">
-            <a:avLst/>
-          </a:prstGeom>
-          <a:noFill/>
-          <a:ln>
-            <a:noFill/>
-          </a:ln>
-        </p:spPr>
-      </p:pic>
-      <p:pic>
-        <p:nvPicPr>
-          <p:cNvPr id="259" name="Google Shape;259;g220569f7507_1_163"/>
-          <p:cNvPicPr preferRelativeResize="0"/>
-          <p:nvPr/>
-        </p:nvPicPr>
-        <p:blipFill rotWithShape="1">
-          <a:blip r:embed="rId4">
-            <a:alphaModFix/>
-          </a:blip>
-          <a:srcRect/>
-          <a:stretch/>
-        </p:blipFill>
-        <p:spPr>
-          <a:xfrm>
-            <a:off x="671299" y="2055062"/>
-            <a:ext cx="3602919" cy="478793"/>
-          </a:xfrm>
-          <a:prstGeom prst="rect">
-            <a:avLst/>
-          </a:prstGeom>
-          <a:noFill/>
-          <a:ln>
-            <a:noFill/>
-          </a:ln>
-        </p:spPr>
-      </p:pic>
-      <p:pic>
-        <p:nvPicPr>
-          <p:cNvPr id="260" name="Google Shape;260;g220569f7507_1_163"/>
-          <p:cNvPicPr preferRelativeResize="0"/>
-          <p:nvPr/>
-        </p:nvPicPr>
-        <p:blipFill rotWithShape="1">
-          <a:blip r:embed="rId5">
-            <a:alphaModFix/>
-          </a:blip>
-          <a:srcRect/>
-          <a:stretch/>
-        </p:blipFill>
-        <p:spPr>
-          <a:xfrm>
-            <a:off x="671299" y="2985381"/>
-            <a:ext cx="2827952" cy="1709501"/>
-          </a:xfrm>
-          <a:prstGeom prst="rect">
-            <a:avLst/>
-          </a:prstGeom>
-          <a:noFill/>
-          <a:ln>
-            <a:noFill/>
-          </a:ln>
-        </p:spPr>
-      </p:pic>
-      <p:pic>
-        <p:nvPicPr>
-          <p:cNvPr id="261" name="Google Shape;261;g220569f7507_1_163"/>
-          <p:cNvPicPr preferRelativeResize="0"/>
-          <p:nvPr/>
-        </p:nvPicPr>
-        <p:blipFill rotWithShape="1">
-          <a:blip r:embed="rId6">
-            <a:alphaModFix/>
-          </a:blip>
-          <a:srcRect/>
-          <a:stretch/>
-        </p:blipFill>
-        <p:spPr>
-          <a:xfrm>
-            <a:off x="4419551" y="2985381"/>
-            <a:ext cx="4080754" cy="533072"/>
-          </a:xfrm>
-          <a:prstGeom prst="rect">
-            <a:avLst/>
-          </a:prstGeom>
-          <a:noFill/>
-          <a:ln>
-            <a:noFill/>
-          </a:ln>
-        </p:spPr>
-      </p:pic>
-      <p:sp>
-        <p:nvSpPr>
-          <p:cNvPr id="262" name="Google Shape;262;g220569f7507_1_163"/>
-          <p:cNvSpPr txBox="1"/>
-          <p:nvPr/>
-        </p:nvSpPr>
-        <p:spPr>
-          <a:xfrm>
-            <a:off x="4419550" y="3673274"/>
-            <a:ext cx="4345742" cy="814403"/>
-          </a:xfrm>
-          <a:prstGeom prst="rect">
-            <a:avLst/>
-          </a:prstGeom>
-          <a:noFill/>
-          <a:ln>
-            <a:noFill/>
-          </a:ln>
-        </p:spPr>
-        <p:txBody>
-          <a:bodyPr spcFirstLastPara="1" wrap="square" lIns="68575" tIns="34275" rIns="68575" bIns="34275" anchor="t" anchorCtr="0">
-            <a:noAutofit/>
-          </a:bodyPr>
-          <a:lstStyle/>
-          <a:p>
-            <a:pPr marL="0" marR="0" lvl="0" indent="0" algn="l" rtl="0">
-              <a:lnSpc>
-                <a:spcPct val="90000"/>
-              </a:lnSpc>
-              <a:spcBef>
-                <a:spcPts val="0"/>
-              </a:spcBef>
-              <a:spcAft>
-                <a:spcPts val="0"/>
-              </a:spcAft>
-              <a:buClr>
-                <a:schemeClr val="dk1"/>
-              </a:buClr>
-              <a:buSzPts val="2100"/>
-              <a:buFont typeface="Arial"/>
-              <a:buNone/>
-            </a:pPr>
-            <a:r>
-              <a:rPr lang="en" sz="2100">
-                <a:solidFill>
-                  <a:schemeClr val="dk1"/>
-                </a:solidFill>
-                <a:latin typeface="Twentieth Century"/>
-                <a:ea typeface="Twentieth Century"/>
-                <a:cs typeface="Twentieth Century"/>
-                <a:sym typeface="Twentieth Century"/>
-              </a:rPr>
-              <a:t>Se asume que </a:t>
-            </a:r>
-            <a:r>
-              <a:rPr lang="en" sz="2100" b="1">
-                <a:solidFill>
-                  <a:schemeClr val="dk1"/>
-                </a:solidFill>
-                <a:latin typeface="Twentieth Century"/>
-                <a:ea typeface="Twentieth Century"/>
-                <a:cs typeface="Twentieth Century"/>
-                <a:sym typeface="Twentieth Century"/>
-              </a:rPr>
-              <a:t>G</a:t>
-            </a:r>
-            <a:r>
-              <a:rPr lang="en" sz="2100">
-                <a:solidFill>
-                  <a:schemeClr val="dk1"/>
-                </a:solidFill>
-                <a:latin typeface="Twentieth Century"/>
-                <a:ea typeface="Twentieth Century"/>
-                <a:cs typeface="Twentieth Century"/>
-                <a:sym typeface="Twentieth Century"/>
-              </a:rPr>
-              <a:t> y </a:t>
-            </a:r>
-            <a:r>
-              <a:rPr lang="en" sz="2100" b="1">
-                <a:solidFill>
-                  <a:schemeClr val="dk1"/>
-                </a:solidFill>
-                <a:latin typeface="Twentieth Century"/>
-                <a:ea typeface="Twentieth Century"/>
-                <a:cs typeface="Twentieth Century"/>
-                <a:sym typeface="Twentieth Century"/>
-              </a:rPr>
-              <a:t>D</a:t>
-            </a:r>
-            <a:r>
-              <a:rPr lang="en" sz="2100">
-                <a:solidFill>
-                  <a:schemeClr val="dk1"/>
-                </a:solidFill>
-                <a:latin typeface="Twentieth Century"/>
-                <a:ea typeface="Twentieth Century"/>
-                <a:cs typeface="Twentieth Century"/>
-                <a:sym typeface="Twentieth Century"/>
-              </a:rPr>
-              <a:t> tiene capacidad infinita y convergen…</a:t>
-            </a:r>
-            <a:endParaRPr sz="1100"/>
-          </a:p>
-          <a:p>
-            <a:pPr marL="0" marR="0" lvl="0" indent="0" algn="l" rtl="0">
-              <a:lnSpc>
-                <a:spcPct val="90000"/>
-              </a:lnSpc>
-              <a:spcBef>
-                <a:spcPts val="800"/>
-              </a:spcBef>
-              <a:spcAft>
-                <a:spcPts val="0"/>
-              </a:spcAft>
-              <a:buClr>
-                <a:schemeClr val="dk1"/>
-              </a:buClr>
-              <a:buSzPts val="2100"/>
-              <a:buFont typeface="Arial"/>
-              <a:buNone/>
-            </a:pPr>
-            <a:r>
-              <a:rPr lang="en" sz="2100">
-                <a:solidFill>
-                  <a:schemeClr val="dk1"/>
-                </a:solidFill>
-                <a:latin typeface="Twentieth Century"/>
-                <a:ea typeface="Twentieth Century"/>
-                <a:cs typeface="Twentieth Century"/>
-                <a:sym typeface="Twentieth Century"/>
-              </a:rPr>
-              <a:t>Entonces </a:t>
-            </a:r>
-            <a:r>
-              <a:rPr lang="en" sz="2100" i="1">
-                <a:solidFill>
-                  <a:schemeClr val="dk1"/>
-                </a:solidFill>
-                <a:latin typeface="Times New Roman"/>
-                <a:ea typeface="Times New Roman"/>
-                <a:cs typeface="Times New Roman"/>
-                <a:sym typeface="Times New Roman"/>
-              </a:rPr>
-              <a:t>p</a:t>
-            </a:r>
-            <a:r>
-              <a:rPr lang="en" sz="2100" i="1" baseline="-25000">
-                <a:solidFill>
-                  <a:schemeClr val="dk1"/>
-                </a:solidFill>
-                <a:latin typeface="Times New Roman"/>
-                <a:ea typeface="Times New Roman"/>
-                <a:cs typeface="Times New Roman"/>
-                <a:sym typeface="Times New Roman"/>
-              </a:rPr>
-              <a:t>g</a:t>
-            </a:r>
-            <a:r>
-              <a:rPr lang="en" sz="2100" i="1">
-                <a:solidFill>
-                  <a:schemeClr val="dk1"/>
-                </a:solidFill>
-                <a:latin typeface="Times New Roman"/>
-                <a:ea typeface="Times New Roman"/>
-                <a:cs typeface="Times New Roman"/>
-                <a:sym typeface="Times New Roman"/>
-              </a:rPr>
-              <a:t>(x)</a:t>
-            </a:r>
-            <a:r>
-              <a:rPr lang="en" sz="2100">
-                <a:solidFill>
-                  <a:schemeClr val="dk1"/>
-                </a:solidFill>
-                <a:latin typeface="Twentieth Century"/>
-                <a:ea typeface="Twentieth Century"/>
-                <a:cs typeface="Twentieth Century"/>
-                <a:sym typeface="Twentieth Century"/>
-              </a:rPr>
-              <a:t>≅ </a:t>
-            </a:r>
-            <a:r>
-              <a:rPr lang="en" sz="2100" i="1">
-                <a:solidFill>
-                  <a:schemeClr val="dk1"/>
-                </a:solidFill>
-                <a:latin typeface="Times New Roman"/>
-                <a:ea typeface="Times New Roman"/>
-                <a:cs typeface="Times New Roman"/>
-                <a:sym typeface="Times New Roman"/>
-              </a:rPr>
-              <a:t>p</a:t>
-            </a:r>
-            <a:r>
-              <a:rPr lang="en" sz="2100" i="1" baseline="-25000">
-                <a:solidFill>
-                  <a:schemeClr val="dk1"/>
-                </a:solidFill>
-                <a:latin typeface="Times New Roman"/>
-                <a:ea typeface="Times New Roman"/>
-                <a:cs typeface="Times New Roman"/>
-                <a:sym typeface="Times New Roman"/>
-              </a:rPr>
-              <a:t>r</a:t>
-            </a:r>
-            <a:r>
-              <a:rPr lang="en" sz="2100" i="1">
-                <a:solidFill>
-                  <a:schemeClr val="dk1"/>
-                </a:solidFill>
-                <a:latin typeface="Times New Roman"/>
-                <a:ea typeface="Times New Roman"/>
-                <a:cs typeface="Times New Roman"/>
-                <a:sym typeface="Times New Roman"/>
-              </a:rPr>
-              <a:t>(x) </a:t>
-            </a:r>
-            <a:r>
-              <a:rPr lang="en" sz="2100">
-                <a:solidFill>
-                  <a:schemeClr val="dk1"/>
-                </a:solidFill>
-                <a:latin typeface="Twentieth Century"/>
-                <a:ea typeface="Twentieth Century"/>
-                <a:cs typeface="Twentieth Century"/>
-                <a:sym typeface="Twentieth Century"/>
-              </a:rPr>
-              <a:t>=&gt; </a:t>
-            </a:r>
-            <a:r>
-              <a:rPr lang="en" sz="2100" b="1">
-                <a:solidFill>
-                  <a:schemeClr val="dk1"/>
-                </a:solidFill>
-                <a:latin typeface="Twentieth Century"/>
-                <a:ea typeface="Twentieth Century"/>
-                <a:cs typeface="Twentieth Century"/>
-                <a:sym typeface="Twentieth Century"/>
-              </a:rPr>
-              <a:t>D</a:t>
-            </a:r>
-            <a:r>
-              <a:rPr lang="en" sz="2100">
-                <a:solidFill>
-                  <a:schemeClr val="dk1"/>
-                </a:solidFill>
-                <a:latin typeface="Twentieth Century"/>
-                <a:ea typeface="Twentieth Century"/>
-                <a:cs typeface="Twentieth Century"/>
-                <a:sym typeface="Twentieth Century"/>
-              </a:rPr>
-              <a:t>* = 1/2</a:t>
-            </a:r>
-            <a:endParaRPr sz="2100">
+            <a:endParaRPr sz="1100">
               <a:solidFill>
-                <a:schemeClr val="dk1"/>
+                <a:schemeClr val="dk2"/>
               </a:solidFill>
-              <a:latin typeface="Twentieth Century"/>
-              <a:ea typeface="Twentieth Century"/>
-              <a:cs typeface="Twentieth Century"/>
-              <a:sym typeface="Twentieth Century"/>
             </a:endParaRPr>
           </a:p>
         </p:txBody>
       </p:sp>
-      <p:sp>
-        <p:nvSpPr>
-          <p:cNvPr id="263" name="Google Shape;263;g220569f7507_1_163"/>
-          <p:cNvSpPr txBox="1">
-            <a:spLocks noGrp="1"/>
-          </p:cNvSpPr>
-          <p:nvPr>
-            <p:ph type="title"/>
-          </p:nvPr>
-        </p:nvSpPr>
-        <p:spPr>
-          <a:xfrm>
-            <a:off x="98250" y="16350"/>
-            <a:ext cx="8826600" cy="602700"/>
-          </a:xfrm>
-          <a:prstGeom prst="rect">
-            <a:avLst/>
-          </a:prstGeom>
-        </p:spPr>
-        <p:txBody>
-          <a:bodyPr spcFirstLastPara="1" wrap="square" lIns="91425" tIns="91425" rIns="91425" bIns="91425" anchor="ctr" anchorCtr="0">
-            <a:normAutofit/>
-          </a:bodyPr>
-          <a:lstStyle/>
-          <a:p>
-            <a:pPr marL="0" lvl="0" indent="0" algn="l" rtl="0">
-              <a:spcBef>
-                <a:spcPts val="0"/>
-              </a:spcBef>
-              <a:spcAft>
-                <a:spcPts val="0"/>
-              </a:spcAft>
-              <a:buNone/>
-            </a:pPr>
-            <a:endParaRPr/>
-          </a:p>
-        </p:txBody>
-      </p:sp>
     </p:spTree>
+    <p:extLst>
+      <p:ext uri="{BB962C8B-B14F-4D97-AF65-F5344CB8AC3E}">
+        <p14:creationId xmlns:p14="http://schemas.microsoft.com/office/powerpoint/2010/main" val="1101086375"/>
+      </p:ext>
+    </p:extLst>
   </p:cSld>
   <p:clrMapOvr>
     <a:masterClrMapping/>
@@ -17977,7 +18113,7 @@
         </p:nvSpPr>
         <p:spPr>
           <a:xfrm>
-            <a:off x="940700" y="1986025"/>
+            <a:off x="1381375" y="1986025"/>
             <a:ext cx="2421300" cy="3050400"/>
           </a:xfrm>
           <a:prstGeom prst="rect">
@@ -18008,107 +18144,80 @@
               <a:buNone/>
             </a:pPr>
             <a:r>
-              <a:rPr lang="en">
+              <a:rPr lang="en" dirty="0">
                 <a:solidFill>
                   <a:schemeClr val="dk2"/>
                 </a:solidFill>
               </a:rPr>
               <a:t>. Transfer learning</a:t>
             </a:r>
-            <a:endParaRPr>
+            <a:endParaRPr dirty="0">
               <a:solidFill>
                 <a:schemeClr val="dk2"/>
               </a:solidFill>
             </a:endParaRPr>
           </a:p>
           <a:p>
-            <a:pPr marL="457200" lvl="0" indent="-342900" algn="l" rtl="0">
-              <a:lnSpc>
-                <a:spcPct val="95000"/>
-              </a:lnSpc>
-              <a:spcBef>
-                <a:spcPts val="0"/>
-              </a:spcBef>
-              <a:spcAft>
-                <a:spcPts val="0"/>
-              </a:spcAft>
+            <a:pPr>
               <a:buClr>
                 <a:schemeClr val="dk2"/>
               </a:buClr>
-              <a:buSzPts val="1800"/>
+              <a:buFont typeface="Roboto"/>
               <a:buChar char="-"/>
             </a:pPr>
             <a:r>
-              <a:rPr lang="en">
+              <a:rPr lang="en" dirty="0">
                 <a:solidFill>
                   <a:schemeClr val="dk2"/>
                 </a:solidFill>
               </a:rPr>
               <a:t>Ventajas</a:t>
             </a:r>
-            <a:endParaRPr>
+            <a:endParaRPr dirty="0">
               <a:solidFill>
                 <a:schemeClr val="dk2"/>
               </a:solidFill>
             </a:endParaRPr>
           </a:p>
           <a:p>
-            <a:pPr marL="457200" lvl="0" indent="-342900" algn="l" rtl="0">
-              <a:lnSpc>
-                <a:spcPct val="95000"/>
-              </a:lnSpc>
-              <a:spcBef>
-                <a:spcPts val="0"/>
-              </a:spcBef>
-              <a:spcAft>
-                <a:spcPts val="0"/>
-              </a:spcAft>
+            <a:pPr>
               <a:buClr>
                 <a:schemeClr val="dk2"/>
               </a:buClr>
-              <a:buSzPts val="1800"/>
+              <a:buFont typeface="Roboto"/>
               <a:buChar char="-"/>
             </a:pPr>
             <a:r>
-              <a:rPr lang="en">
+              <a:rPr lang="en" dirty="0">
                 <a:solidFill>
                   <a:schemeClr val="dk2"/>
                 </a:solidFill>
               </a:rPr>
               <a:t>Estrategias</a:t>
             </a:r>
-            <a:endParaRPr>
+            <a:endParaRPr dirty="0">
               <a:solidFill>
                 <a:schemeClr val="dk2"/>
               </a:solidFill>
             </a:endParaRPr>
           </a:p>
           <a:p>
-            <a:pPr marL="457200" lvl="0" indent="-342900" algn="l" rtl="0">
-              <a:lnSpc>
-                <a:spcPct val="95000"/>
-              </a:lnSpc>
-              <a:spcBef>
-                <a:spcPts val="0"/>
-              </a:spcBef>
-              <a:spcAft>
-                <a:spcPts val="0"/>
-              </a:spcAft>
+            <a:pPr>
               <a:buClr>
                 <a:schemeClr val="dk2"/>
               </a:buClr>
-              <a:buSzPts val="1800"/>
+              <a:buFont typeface="Roboto"/>
               <a:buChar char="-"/>
             </a:pPr>
             <a:r>
-              <a:rPr lang="en">
+              <a:rPr lang="en" dirty="0">
                 <a:solidFill>
                   <a:schemeClr val="dk2"/>
                 </a:solidFill>
               </a:rPr>
               <a:t>Ejemplo en colab</a:t>
             </a:r>
-            <a:endParaRPr>
+            <a:endParaRPr dirty="0">
               <a:solidFill>
                 <a:schemeClr val="dk2"/>
               </a:solidFill>
@@ -18186,14 +18295,14 @@
               <a:buNone/>
             </a:pPr>
             <a:r>
-              <a:rPr lang="en">
+              <a:rPr lang="en" dirty="0">
                 <a:solidFill>
                   <a:schemeClr val="dk2"/>
                 </a:solidFill>
               </a:rPr>
               <a:t>. Generative adversarial networks</a:t>
             </a:r>
-            <a:endParaRPr>
+            <a:endParaRPr dirty="0">
               <a:solidFill>
                 <a:schemeClr val="dk2"/>
               </a:solidFill>
@@ -18217,14 +18326,14 @@
               <a:buChar char="-"/>
             </a:pPr>
             <a:r>
-              <a:rPr lang="en">
+              <a:rPr lang="en" dirty="0">
                 <a:solidFill>
                   <a:schemeClr val="dk2"/>
                 </a:solidFill>
               </a:rPr>
               <a:t>Introducción</a:t>
             </a:r>
-            <a:endParaRPr>
+            <a:endParaRPr dirty="0">
               <a:solidFill>
                 <a:schemeClr val="dk2"/>
               </a:solidFill>
@@ -18248,14 +18357,14 @@
               <a:buChar char="-"/>
             </a:pPr>
             <a:r>
-              <a:rPr lang="en">
+              <a:rPr lang="en" dirty="0">
                 <a:solidFill>
                   <a:schemeClr val="dk2"/>
                 </a:solidFill>
               </a:rPr>
               <a:t>Usos</a:t>
             </a:r>
-            <a:endParaRPr>
+            <a:endParaRPr dirty="0">
               <a:solidFill>
                 <a:schemeClr val="dk2"/>
               </a:solidFill>
@@ -18279,14 +18388,14 @@
               <a:buChar char="-"/>
             </a:pPr>
             <a:r>
-              <a:rPr lang="en">
+              <a:rPr lang="en" dirty="0">
                 <a:solidFill>
                   <a:schemeClr val="dk2"/>
                 </a:solidFill>
               </a:rPr>
               <a:t>Ejemplo en colab</a:t>
             </a:r>
-            <a:endParaRPr>
+            <a:endParaRPr dirty="0">
               <a:solidFill>
                 <a:schemeClr val="dk2"/>
               </a:solidFill>
@@ -18433,7 +18542,7 @@
         </p:nvSpPr>
         <p:spPr>
           <a:xfrm>
-            <a:off x="2356119" y="2294751"/>
+            <a:off x="2450749" y="1972520"/>
             <a:ext cx="4000133" cy="276999"/>
           </a:xfrm>
           <a:prstGeom prst="rect">
@@ -18545,7 +18654,7 @@
         </p:nvSpPr>
         <p:spPr>
           <a:xfrm>
-            <a:off x="2343829" y="2863809"/>
+            <a:off x="4450816" y="4155548"/>
             <a:ext cx="4695825" cy="276999"/>
           </a:xfrm>
           <a:prstGeom prst="rect">
@@ -18595,7 +18704,7 @@
         </p:nvSpPr>
         <p:spPr>
           <a:xfrm>
-            <a:off x="87424" y="4461944"/>
+            <a:off x="87424" y="4032347"/>
             <a:ext cx="3000000" cy="400200"/>
           </a:xfrm>
           <a:prstGeom prst="rect">
@@ -18645,7 +18754,7 @@
         </p:nvSpPr>
         <p:spPr>
           <a:xfrm>
-            <a:off x="174130" y="3632907"/>
+            <a:off x="120325" y="3049798"/>
             <a:ext cx="2414834" cy="400200"/>
           </a:xfrm>
           <a:prstGeom prst="rect">
@@ -18717,7 +18826,7 @@
         </p:nvSpPr>
         <p:spPr>
           <a:xfrm>
-            <a:off x="87424" y="4147536"/>
+            <a:off x="87424" y="3565447"/>
             <a:ext cx="3327655" cy="400079"/>
           </a:xfrm>
           <a:prstGeom prst="rect">
@@ -18778,8 +18887,8 @@
         </p:nvSpPr>
         <p:spPr>
           <a:xfrm>
-            <a:off x="4108098" y="4461944"/>
-            <a:ext cx="5863113" cy="400079"/>
+            <a:off x="4450816" y="3529259"/>
+            <a:ext cx="3680827" cy="615523"/>
           </a:xfrm>
           <a:prstGeom prst="rect">
             <a:avLst/>
@@ -18820,7 +18929,7 @@
           <a:p>
             <a:r>
               <a:rPr lang="es-AR" dirty="0"/>
-              <a:t>https://pytorch.org/tutorials/beginner/dcgan_faces_tutorial.html</a:t>
+              <a:t>https://docs.pytorch.org/tutorials/beginner/dcgan_faces_tutorial.html</a:t>
             </a:r>
           </a:p>
         </p:txBody>
@@ -18839,7 +18948,7 @@
         </p:nvSpPr>
         <p:spPr>
           <a:xfrm>
-            <a:off x="4450816" y="4075915"/>
+            <a:off x="4450816" y="4472539"/>
             <a:ext cx="4693184" cy="400079"/>
           </a:xfrm>
           <a:prstGeom prst="rect">
@@ -18901,7 +19010,7 @@
         </p:nvSpPr>
         <p:spPr>
           <a:xfrm>
-            <a:off x="5347621" y="3585615"/>
+            <a:off x="5468807" y="2979754"/>
             <a:ext cx="2414834" cy="400200"/>
           </a:xfrm>
           <a:prstGeom prst="rect">
@@ -18968,6 +19077,67 @@
               <a:cs typeface="Twentieth Century"/>
               <a:sym typeface="Twentieth Century"/>
             </a:endParaRPr>
+          </a:p>
+        </p:txBody>
+      </p:sp>
+      <p:sp>
+        <p:nvSpPr>
+          <p:cNvPr id="4" name="TextBox 3">
+            <a:extLst>
+              <a:ext uri="{FF2B5EF4-FFF2-40B4-BE49-F238E27FC236}">
+                <a16:creationId xmlns:a16="http://schemas.microsoft.com/office/drawing/2014/main" id="{37D79F49-D78E-CC45-08B2-8B5CF4768294}"/>
+              </a:ext>
+            </a:extLst>
+          </p:cNvPr>
+          <p:cNvSpPr txBox="1"/>
+          <p:nvPr/>
+        </p:nvSpPr>
+        <p:spPr>
+          <a:xfrm>
+            <a:off x="120325" y="4499368"/>
+            <a:ext cx="3206769" cy="400079"/>
+          </a:xfrm>
+          <a:prstGeom prst="rect">
+            <a:avLst/>
+          </a:prstGeom>
+          <a:noFill/>
+          <a:ln>
+            <a:noFill/>
+          </a:ln>
+        </p:spPr>
+        <p:txBody>
+          <a:bodyPr spcFirstLastPara="1" wrap="square" lIns="91425" tIns="91425" rIns="91425" bIns="91425" anchor="t" anchorCtr="0">
+            <a:spAutoFit/>
+          </a:bodyPr>
+          <a:lstStyle>
+            <a:defPPr marR="0" lvl="0" algn="l" rtl="0">
+              <a:lnSpc>
+                <a:spcPct val="100000"/>
+              </a:lnSpc>
+              <a:spcBef>
+                <a:spcPts val="0"/>
+              </a:spcBef>
+              <a:spcAft>
+                <a:spcPts val="0"/>
+              </a:spcAft>
+            </a:defPPr>
+            <a:lvl1pPr marL="0" indent="0">
+              <a:buNone/>
+              <a:defRPr>
+                <a:solidFill>
+                  <a:srgbClr val="FF0000"/>
+                </a:solidFill>
+                <a:latin typeface="Twentieth Century"/>
+                <a:ea typeface="Twentieth Century"/>
+                <a:cs typeface="Twentieth Century"/>
+              </a:defRPr>
+            </a:lvl1pPr>
+          </a:lstStyle>
+          <a:p>
+            <a:r>
+              <a:rPr lang="es-AR" dirty="0"/>
+              <a:t>https://github.com/soumith/ganhacks</a:t>
+            </a:r>
           </a:p>
         </p:txBody>
       </p:sp>
@@ -21946,7 +22116,7 @@
                 <a:cs typeface="Twentieth Century"/>
                 <a:sym typeface="Twentieth Century"/>
               </a:rPr>
-              <a:t>https://pytorch.org/vision/main/models.html#table-of-all-available-classification-weights</a:t>
+              <a:t>https://pytorch.org/blog/introducing-torchvision-new-multi-weight-support-api/</a:t>
             </a:r>
             <a:endParaRPr sz="1100" dirty="0"/>
           </a:p>
